--- a/powerpoint/5_qsub.pptx
+++ b/powerpoint/5_qsub.pptx
@@ -7,11 +7,12 @@
   <p:sldIdLst>
     <p:sldId id="274" r:id="rId2"/>
     <p:sldId id="324" r:id="rId3"/>
-    <p:sldId id="314" r:id="rId4"/>
-    <p:sldId id="301" r:id="rId5"/>
-    <p:sldId id="310" r:id="rId6"/>
-    <p:sldId id="286" r:id="rId7"/>
-    <p:sldId id="322" r:id="rId8"/>
+    <p:sldId id="325" r:id="rId4"/>
+    <p:sldId id="314" r:id="rId5"/>
+    <p:sldId id="301" r:id="rId6"/>
+    <p:sldId id="310" r:id="rId7"/>
+    <p:sldId id="286" r:id="rId8"/>
+    <p:sldId id="322" r:id="rId9"/>
   </p:sldIdLst>
   <p:sldSz cx="12192000" cy="6858000"/>
   <p:notesSz cx="6858000" cy="9144000"/>
@@ -267,7 +268,7 @@
           <a:p>
             <a:fld id="{C47C7284-A6CB-4DDC-9758-16B7E815B14E}" type="datetimeFigureOut">
               <a:rPr lang="en-GB" smtClean="0"/>
-              <a:t>22/09/2020</a:t>
+              <a:t>05/10/2020</a:t>
             </a:fld>
             <a:endParaRPr lang="en-GB"/>
           </a:p>
@@ -467,7 +468,7 @@
           <a:p>
             <a:fld id="{C47C7284-A6CB-4DDC-9758-16B7E815B14E}" type="datetimeFigureOut">
               <a:rPr lang="en-GB" smtClean="0"/>
-              <a:t>22/09/2020</a:t>
+              <a:t>05/10/2020</a:t>
             </a:fld>
             <a:endParaRPr lang="en-GB"/>
           </a:p>
@@ -677,7 +678,7 @@
           <a:p>
             <a:fld id="{C47C7284-A6CB-4DDC-9758-16B7E815B14E}" type="datetimeFigureOut">
               <a:rPr lang="en-GB" smtClean="0"/>
-              <a:t>22/09/2020</a:t>
+              <a:t>05/10/2020</a:t>
             </a:fld>
             <a:endParaRPr lang="en-GB"/>
           </a:p>
@@ -877,7 +878,7 @@
           <a:p>
             <a:fld id="{C47C7284-A6CB-4DDC-9758-16B7E815B14E}" type="datetimeFigureOut">
               <a:rPr lang="en-GB" smtClean="0"/>
-              <a:t>22/09/2020</a:t>
+              <a:t>05/10/2020</a:t>
             </a:fld>
             <a:endParaRPr lang="en-GB"/>
           </a:p>
@@ -1153,7 +1154,7 @@
           <a:p>
             <a:fld id="{C47C7284-A6CB-4DDC-9758-16B7E815B14E}" type="datetimeFigureOut">
               <a:rPr lang="en-GB" smtClean="0"/>
-              <a:t>22/09/2020</a:t>
+              <a:t>05/10/2020</a:t>
             </a:fld>
             <a:endParaRPr lang="en-GB"/>
           </a:p>
@@ -1421,7 +1422,7 @@
           <a:p>
             <a:fld id="{C47C7284-A6CB-4DDC-9758-16B7E815B14E}" type="datetimeFigureOut">
               <a:rPr lang="en-GB" smtClean="0"/>
-              <a:t>22/09/2020</a:t>
+              <a:t>05/10/2020</a:t>
             </a:fld>
             <a:endParaRPr lang="en-GB"/>
           </a:p>
@@ -1836,7 +1837,7 @@
           <a:p>
             <a:fld id="{C47C7284-A6CB-4DDC-9758-16B7E815B14E}" type="datetimeFigureOut">
               <a:rPr lang="en-GB" smtClean="0"/>
-              <a:t>22/09/2020</a:t>
+              <a:t>05/10/2020</a:t>
             </a:fld>
             <a:endParaRPr lang="en-GB"/>
           </a:p>
@@ -1978,7 +1979,7 @@
           <a:p>
             <a:fld id="{C47C7284-A6CB-4DDC-9758-16B7E815B14E}" type="datetimeFigureOut">
               <a:rPr lang="en-GB" smtClean="0"/>
-              <a:t>22/09/2020</a:t>
+              <a:t>05/10/2020</a:t>
             </a:fld>
             <a:endParaRPr lang="en-GB"/>
           </a:p>
@@ -2091,7 +2092,7 @@
           <a:p>
             <a:fld id="{C47C7284-A6CB-4DDC-9758-16B7E815B14E}" type="datetimeFigureOut">
               <a:rPr lang="en-GB" smtClean="0"/>
-              <a:t>22/09/2020</a:t>
+              <a:t>05/10/2020</a:t>
             </a:fld>
             <a:endParaRPr lang="en-GB"/>
           </a:p>
@@ -2404,7 +2405,7 @@
           <a:p>
             <a:fld id="{C47C7284-A6CB-4DDC-9758-16B7E815B14E}" type="datetimeFigureOut">
               <a:rPr lang="en-GB" smtClean="0"/>
-              <a:t>22/09/2020</a:t>
+              <a:t>05/10/2020</a:t>
             </a:fld>
             <a:endParaRPr lang="en-GB"/>
           </a:p>
@@ -2693,7 +2694,7 @@
           <a:p>
             <a:fld id="{C47C7284-A6CB-4DDC-9758-16B7E815B14E}" type="datetimeFigureOut">
               <a:rPr lang="en-GB" smtClean="0"/>
-              <a:t>22/09/2020</a:t>
+              <a:t>05/10/2020</a:t>
             </a:fld>
             <a:endParaRPr lang="en-GB"/>
           </a:p>
@@ -2936,7 +2937,7 @@
           <a:p>
             <a:fld id="{C47C7284-A6CB-4DDC-9758-16B7E815B14E}" type="datetimeFigureOut">
               <a:rPr lang="en-GB" smtClean="0"/>
-              <a:t>22/09/2020</a:t>
+              <a:t>05/10/2020</a:t>
             </a:fld>
             <a:endParaRPr lang="en-GB"/>
           </a:p>
@@ -3701,7 +3702,7 @@
           <p:cNvPr id="2" name="Title 1">
             <a:extLst>
               <a:ext uri="{FF2B5EF4-FFF2-40B4-BE49-F238E27FC236}">
-                <a16:creationId xmlns:a16="http://schemas.microsoft.com/office/drawing/2014/main" id="{36F5B3D1-4220-4EDE-8E53-8D3958D52DB1}"/>
+                <a16:creationId xmlns:a16="http://schemas.microsoft.com/office/drawing/2014/main" id="{F08C7102-A670-4959-9B22-1073D9E41E09}"/>
               </a:ext>
             </a:extLst>
           </p:cNvPr>
@@ -3714,7 +3715,7 @@
         </p:nvSpPr>
         <p:spPr>
           <a:xfrm>
-            <a:off x="838200" y="18255"/>
+            <a:off x="838200" y="109695"/>
             <a:ext cx="10515600" cy="1325563"/>
           </a:xfrm>
         </p:spPr>
@@ -3745,7 +3746,7 @@
                   <a:srgbClr val="7030A0"/>
                 </a:solidFill>
               </a:rPr>
-              <a:t>: What is </a:t>
+              <a:t>: lets </a:t>
             </a:r>
             <a:r>
               <a:rPr lang="en-GB" dirty="0" err="1">
@@ -3761,96 +3762,59 @@
                   <a:srgbClr val="7030A0"/>
                 </a:solidFill>
               </a:rPr>
-              <a:t> doing?</a:t>
-            </a:r>
-          </a:p>
-        </p:txBody>
-      </p:sp>
-      <p:sp>
-        <p:nvSpPr>
-          <p:cNvPr id="4" name="Oval 3">
-            <a:extLst>
-              <a:ext uri="{FF2B5EF4-FFF2-40B4-BE49-F238E27FC236}">
-                <a16:creationId xmlns:a16="http://schemas.microsoft.com/office/drawing/2014/main" id="{11A8F7FC-AD4B-464B-9DA3-1E4B4997DB70}"/>
-              </a:ext>
-            </a:extLst>
-          </p:cNvPr>
-          <p:cNvSpPr/>
-          <p:nvPr/>
+              <a:t> it so we don’t break the head node. </a:t>
+            </a:r>
+          </a:p>
+        </p:txBody>
+      </p:sp>
+      <p:sp>
+        <p:nvSpPr>
+          <p:cNvPr id="3" name="Content Placeholder 2">
+            <a:extLst>
+              <a:ext uri="{FF2B5EF4-FFF2-40B4-BE49-F238E27FC236}">
+                <a16:creationId xmlns:a16="http://schemas.microsoft.com/office/drawing/2014/main" id="{2015C571-0C43-419D-858F-E0C92AACE419}"/>
+              </a:ext>
+            </a:extLst>
+          </p:cNvPr>
+          <p:cNvSpPr>
+            <a:spLocks noGrp="1"/>
+          </p:cNvSpPr>
+          <p:nvPr>
+            <p:ph idx="1"/>
+          </p:nvPr>
         </p:nvSpPr>
         <p:spPr>
           <a:xfrm>
-            <a:off x="746933" y="1845707"/>
-            <a:ext cx="3276601" cy="3050937"/>
-          </a:xfrm>
-          <a:prstGeom prst="ellipse">
-            <a:avLst/>
-          </a:prstGeom>
-          <a:noFill/>
-        </p:spPr>
-        <p:style>
-          <a:lnRef idx="2">
-            <a:schemeClr val="accent1">
-              <a:shade val="50000"/>
-            </a:schemeClr>
-          </a:lnRef>
-          <a:fillRef idx="1">
-            <a:schemeClr val="accent1"/>
-          </a:fillRef>
-          <a:effectRef idx="0">
-            <a:schemeClr val="accent1"/>
-          </a:effectRef>
-          <a:fontRef idx="minor">
-            <a:schemeClr val="lt1"/>
-          </a:fontRef>
-        </p:style>
-        <p:txBody>
-          <a:bodyPr rtlCol="0" anchor="ctr"/>
-          <a:lstStyle/>
-          <a:p>
-            <a:pPr algn="ctr"/>
-            <a:endParaRPr lang="en-GB"/>
-          </a:p>
-        </p:txBody>
-      </p:sp>
-      <p:sp>
-        <p:nvSpPr>
-          <p:cNvPr id="5" name="TextBox 4">
-            <a:extLst>
-              <a:ext uri="{FF2B5EF4-FFF2-40B4-BE49-F238E27FC236}">
-                <a16:creationId xmlns:a16="http://schemas.microsoft.com/office/drawing/2014/main" id="{1D1EEF83-7D33-4852-8833-065040F97B8C}"/>
-              </a:ext>
-            </a:extLst>
-          </p:cNvPr>
-          <p:cNvSpPr txBox="1"/>
-          <p:nvPr/>
-        </p:nvSpPr>
-        <p:spPr>
-          <a:xfrm>
-            <a:off x="1289859" y="2699841"/>
-            <a:ext cx="2343150" cy="1569660"/>
-          </a:xfrm>
-          <a:prstGeom prst="rect">
-            <a:avLst/>
-          </a:prstGeom>
-          <a:noFill/>
-        </p:spPr>
-        <p:txBody>
-          <a:bodyPr wrap="square" rtlCol="0">
-            <a:spAutoFit/>
+            <a:off x="431800" y="1701266"/>
+            <a:ext cx="11315700" cy="5222082"/>
+          </a:xfrm>
+        </p:spPr>
+        <p:txBody>
+          <a:bodyPr>
+            <a:normAutofit/>
           </a:bodyPr>
           <a:lstStyle/>
           <a:p>
             <a:r>
-              <a:rPr lang="en-GB" sz="2400" b="1" u="sng" dirty="0"/>
-              <a:t>Head node: </a:t>
-            </a:r>
-            <a:r>
-              <a:rPr lang="en-GB" sz="2400" dirty="0"/>
-              <a:t>Receives </a:t>
-            </a:r>
-            <a:r>
-              <a:rPr lang="en-GB" sz="2400" dirty="0" err="1">
+              <a:rPr lang="en-GB" dirty="0"/>
+              <a:t>In short you can look at this later. </a:t>
+            </a:r>
+          </a:p>
+          <a:p>
+            <a:endParaRPr lang="en-GB" dirty="0"/>
+          </a:p>
+          <a:p>
+            <a:r>
+              <a:rPr lang="en-GB" dirty="0"/>
+              <a:t>All you need for now is:</a:t>
+            </a:r>
+          </a:p>
+          <a:p>
+            <a:pPr marL="0" indent="0">
+              <a:buNone/>
+            </a:pPr>
+            <a:r>
+              <a:rPr lang="en-GB" dirty="0" err="1">
                 <a:solidFill>
                   <a:srgbClr val="0070C0"/>
                 </a:solidFill>
@@ -3858,859 +3822,31 @@
               <a:t>qsub</a:t>
             </a:r>
             <a:r>
-              <a:rPr lang="en-GB" sz="2400" dirty="0"/>
-              <a:t> job command from you</a:t>
-            </a:r>
-          </a:p>
-        </p:txBody>
-      </p:sp>
-      <p:sp>
-        <p:nvSpPr>
-          <p:cNvPr id="6" name="Rectangle 5">
-            <a:extLst>
-              <a:ext uri="{FF2B5EF4-FFF2-40B4-BE49-F238E27FC236}">
-                <a16:creationId xmlns:a16="http://schemas.microsoft.com/office/drawing/2014/main" id="{B41F488C-078D-4265-BD21-F6ED0EA2BC19}"/>
-              </a:ext>
-            </a:extLst>
-          </p:cNvPr>
-          <p:cNvSpPr/>
-          <p:nvPr/>
-        </p:nvSpPr>
-        <p:spPr>
-          <a:xfrm>
-            <a:off x="6442884" y="1343818"/>
-            <a:ext cx="2571750" cy="723107"/>
-          </a:xfrm>
-          <a:prstGeom prst="rect">
-            <a:avLst/>
-          </a:prstGeom>
-          <a:solidFill>
-            <a:schemeClr val="accent2"/>
-          </a:solidFill>
-        </p:spPr>
-        <p:style>
-          <a:lnRef idx="2">
-            <a:schemeClr val="accent1">
-              <a:shade val="50000"/>
-            </a:schemeClr>
-          </a:lnRef>
-          <a:fillRef idx="1">
-            <a:schemeClr val="accent1"/>
-          </a:fillRef>
-          <a:effectRef idx="0">
-            <a:schemeClr val="accent1"/>
-          </a:effectRef>
-          <a:fontRef idx="minor">
-            <a:schemeClr val="lt1"/>
-          </a:fontRef>
-        </p:style>
-        <p:txBody>
-          <a:bodyPr rtlCol="0" anchor="ctr"/>
-          <a:lstStyle/>
-          <a:p>
-            <a:pPr algn="ctr"/>
-            <a:endParaRPr lang="en-GB" dirty="0"/>
-          </a:p>
-        </p:txBody>
-      </p:sp>
-      <p:sp>
-        <p:nvSpPr>
-          <p:cNvPr id="7" name="TextBox 6">
-            <a:extLst>
-              <a:ext uri="{FF2B5EF4-FFF2-40B4-BE49-F238E27FC236}">
-                <a16:creationId xmlns:a16="http://schemas.microsoft.com/office/drawing/2014/main" id="{E872B089-D97F-4201-876E-789C0FF0CA3F}"/>
-              </a:ext>
-            </a:extLst>
-          </p:cNvPr>
-          <p:cNvSpPr txBox="1"/>
-          <p:nvPr/>
-        </p:nvSpPr>
-        <p:spPr>
-          <a:xfrm>
-            <a:off x="6852458" y="1476375"/>
-            <a:ext cx="1914525" cy="369332"/>
-          </a:xfrm>
-          <a:prstGeom prst="rect">
-            <a:avLst/>
-          </a:prstGeom>
-          <a:noFill/>
-        </p:spPr>
-        <p:txBody>
-          <a:bodyPr wrap="square" rtlCol="0">
-            <a:spAutoFit/>
-          </a:bodyPr>
-          <a:lstStyle/>
-          <a:p>
+              <a:rPr lang="en-GB" dirty="0">
+                <a:solidFill>
+                  <a:srgbClr val="0070C0"/>
+                </a:solidFill>
+              </a:rPr>
+              <a:t> name_of_script.sh</a:t>
+            </a:r>
+          </a:p>
+          <a:p>
+            <a:pPr marL="0" indent="0">
+              <a:buNone/>
+            </a:pPr>
+            <a:endParaRPr lang="en-GB" dirty="0">
+              <a:solidFill>
+                <a:srgbClr val="0070C0"/>
+              </a:solidFill>
+            </a:endParaRPr>
+          </a:p>
+          <a:p>
+            <a:pPr marL="0" indent="0">
+              <a:buNone/>
+            </a:pPr>
             <a:r>
               <a:rPr lang="en-GB" dirty="0"/>
-              <a:t>Node 1: Full</a:t>
-            </a:r>
-          </a:p>
-        </p:txBody>
-      </p:sp>
-      <p:sp>
-        <p:nvSpPr>
-          <p:cNvPr id="8" name="Rectangle 7">
-            <a:extLst>
-              <a:ext uri="{FF2B5EF4-FFF2-40B4-BE49-F238E27FC236}">
-                <a16:creationId xmlns:a16="http://schemas.microsoft.com/office/drawing/2014/main" id="{F180C417-FA52-45C9-8A76-AE5783593B22}"/>
-              </a:ext>
-            </a:extLst>
-          </p:cNvPr>
-          <p:cNvSpPr/>
-          <p:nvPr/>
-        </p:nvSpPr>
-        <p:spPr>
-          <a:xfrm>
-            <a:off x="6442884" y="2338287"/>
-            <a:ext cx="2571750" cy="723107"/>
-          </a:xfrm>
-          <a:prstGeom prst="rect">
-            <a:avLst/>
-          </a:prstGeom>
-          <a:solidFill>
-            <a:schemeClr val="accent2"/>
-          </a:solidFill>
-        </p:spPr>
-        <p:style>
-          <a:lnRef idx="2">
-            <a:schemeClr val="accent1">
-              <a:shade val="50000"/>
-            </a:schemeClr>
-          </a:lnRef>
-          <a:fillRef idx="1">
-            <a:schemeClr val="accent1"/>
-          </a:fillRef>
-          <a:effectRef idx="0">
-            <a:schemeClr val="accent1"/>
-          </a:effectRef>
-          <a:fontRef idx="minor">
-            <a:schemeClr val="lt1"/>
-          </a:fontRef>
-        </p:style>
-        <p:txBody>
-          <a:bodyPr rtlCol="0" anchor="ctr"/>
-          <a:lstStyle/>
-          <a:p>
-            <a:pPr algn="ctr"/>
-            <a:endParaRPr lang="en-GB" dirty="0"/>
-          </a:p>
-        </p:txBody>
-      </p:sp>
-      <p:sp>
-        <p:nvSpPr>
-          <p:cNvPr id="9" name="TextBox 8">
-            <a:extLst>
-              <a:ext uri="{FF2B5EF4-FFF2-40B4-BE49-F238E27FC236}">
-                <a16:creationId xmlns:a16="http://schemas.microsoft.com/office/drawing/2014/main" id="{BECE6C3C-5C3D-4DBE-BCE0-48D474227656}"/>
-              </a:ext>
-            </a:extLst>
-          </p:cNvPr>
-          <p:cNvSpPr txBox="1"/>
-          <p:nvPr/>
-        </p:nvSpPr>
-        <p:spPr>
-          <a:xfrm>
-            <a:off x="6852458" y="2470844"/>
-            <a:ext cx="2152651" cy="646331"/>
-          </a:xfrm>
-          <a:prstGeom prst="rect">
-            <a:avLst/>
-          </a:prstGeom>
-          <a:noFill/>
-        </p:spPr>
-        <p:txBody>
-          <a:bodyPr wrap="square" rtlCol="0">
-            <a:spAutoFit/>
-          </a:bodyPr>
-          <a:lstStyle/>
-          <a:p>
-            <a:r>
-              <a:rPr lang="en-GB" dirty="0"/>
-              <a:t>Node 2: NOT enough RAM</a:t>
-            </a:r>
-          </a:p>
-        </p:txBody>
-      </p:sp>
-      <p:sp>
-        <p:nvSpPr>
-          <p:cNvPr id="10" name="Rectangle 9">
-            <a:extLst>
-              <a:ext uri="{FF2B5EF4-FFF2-40B4-BE49-F238E27FC236}">
-                <a16:creationId xmlns:a16="http://schemas.microsoft.com/office/drawing/2014/main" id="{A81B87AC-40C8-449E-A6B4-06DFEA9DC292}"/>
-              </a:ext>
-            </a:extLst>
-          </p:cNvPr>
-          <p:cNvSpPr/>
-          <p:nvPr/>
-        </p:nvSpPr>
-        <p:spPr>
-          <a:xfrm>
-            <a:off x="6442884" y="3332756"/>
-            <a:ext cx="2571750" cy="723107"/>
-          </a:xfrm>
-          <a:prstGeom prst="rect">
-            <a:avLst/>
-          </a:prstGeom>
-          <a:solidFill>
-            <a:schemeClr val="accent2"/>
-          </a:solidFill>
-        </p:spPr>
-        <p:style>
-          <a:lnRef idx="2">
-            <a:schemeClr val="accent1">
-              <a:shade val="50000"/>
-            </a:schemeClr>
-          </a:lnRef>
-          <a:fillRef idx="1">
-            <a:schemeClr val="accent1"/>
-          </a:fillRef>
-          <a:effectRef idx="0">
-            <a:schemeClr val="accent1"/>
-          </a:effectRef>
-          <a:fontRef idx="minor">
-            <a:schemeClr val="lt1"/>
-          </a:fontRef>
-        </p:style>
-        <p:txBody>
-          <a:bodyPr rtlCol="0" anchor="ctr"/>
-          <a:lstStyle/>
-          <a:p>
-            <a:pPr algn="ctr"/>
-            <a:endParaRPr lang="en-GB" dirty="0"/>
-          </a:p>
-        </p:txBody>
-      </p:sp>
-      <p:sp>
-        <p:nvSpPr>
-          <p:cNvPr id="11" name="TextBox 10">
-            <a:extLst>
-              <a:ext uri="{FF2B5EF4-FFF2-40B4-BE49-F238E27FC236}">
-                <a16:creationId xmlns:a16="http://schemas.microsoft.com/office/drawing/2014/main" id="{B1E569AE-0BC5-4A94-9ED5-16BD37A50454}"/>
-              </a:ext>
-            </a:extLst>
-          </p:cNvPr>
-          <p:cNvSpPr txBox="1"/>
-          <p:nvPr/>
-        </p:nvSpPr>
-        <p:spPr>
-          <a:xfrm>
-            <a:off x="6852458" y="3465313"/>
-            <a:ext cx="2152651" cy="646331"/>
-          </a:xfrm>
-          <a:prstGeom prst="rect">
-            <a:avLst/>
-          </a:prstGeom>
-          <a:noFill/>
-        </p:spPr>
-        <p:txBody>
-          <a:bodyPr wrap="square" rtlCol="0">
-            <a:spAutoFit/>
-          </a:bodyPr>
-          <a:lstStyle/>
-          <a:p>
-            <a:r>
-              <a:rPr lang="en-GB" dirty="0"/>
-              <a:t>Node 3: Not enough cores</a:t>
-            </a:r>
-          </a:p>
-        </p:txBody>
-      </p:sp>
-      <p:sp>
-        <p:nvSpPr>
-          <p:cNvPr id="12" name="Rectangle 11">
-            <a:extLst>
-              <a:ext uri="{FF2B5EF4-FFF2-40B4-BE49-F238E27FC236}">
-                <a16:creationId xmlns:a16="http://schemas.microsoft.com/office/drawing/2014/main" id="{BAF66CE7-1FE6-4F7B-9338-D22A9760E2A6}"/>
-              </a:ext>
-            </a:extLst>
-          </p:cNvPr>
-          <p:cNvSpPr/>
-          <p:nvPr/>
-        </p:nvSpPr>
-        <p:spPr>
-          <a:xfrm>
-            <a:off x="6433359" y="4327225"/>
-            <a:ext cx="2571750" cy="723107"/>
-          </a:xfrm>
-          <a:prstGeom prst="rect">
-            <a:avLst/>
-          </a:prstGeom>
-          <a:solidFill>
-            <a:schemeClr val="accent2"/>
-          </a:solidFill>
-        </p:spPr>
-        <p:style>
-          <a:lnRef idx="2">
-            <a:schemeClr val="accent1">
-              <a:shade val="50000"/>
-            </a:schemeClr>
-          </a:lnRef>
-          <a:fillRef idx="1">
-            <a:schemeClr val="accent1"/>
-          </a:fillRef>
-          <a:effectRef idx="0">
-            <a:schemeClr val="accent1"/>
-          </a:effectRef>
-          <a:fontRef idx="minor">
-            <a:schemeClr val="lt1"/>
-          </a:fontRef>
-        </p:style>
-        <p:txBody>
-          <a:bodyPr rtlCol="0" anchor="ctr"/>
-          <a:lstStyle/>
-          <a:p>
-            <a:pPr algn="ctr"/>
-            <a:endParaRPr lang="en-GB" dirty="0"/>
-          </a:p>
-        </p:txBody>
-      </p:sp>
-      <p:sp>
-        <p:nvSpPr>
-          <p:cNvPr id="13" name="TextBox 12">
-            <a:extLst>
-              <a:ext uri="{FF2B5EF4-FFF2-40B4-BE49-F238E27FC236}">
-                <a16:creationId xmlns:a16="http://schemas.microsoft.com/office/drawing/2014/main" id="{1FC41127-89F8-4EA6-888C-D9AFE42CCBFD}"/>
-              </a:ext>
-            </a:extLst>
-          </p:cNvPr>
-          <p:cNvSpPr txBox="1"/>
-          <p:nvPr/>
-        </p:nvSpPr>
-        <p:spPr>
-          <a:xfrm>
-            <a:off x="6842933" y="4459782"/>
-            <a:ext cx="1914525" cy="369332"/>
-          </a:xfrm>
-          <a:prstGeom prst="rect">
-            <a:avLst/>
-          </a:prstGeom>
-          <a:noFill/>
-        </p:spPr>
-        <p:txBody>
-          <a:bodyPr wrap="square" rtlCol="0">
-            <a:spAutoFit/>
-          </a:bodyPr>
-          <a:lstStyle/>
-          <a:p>
-            <a:r>
-              <a:rPr lang="en-GB" dirty="0"/>
-              <a:t>Node 4: empty</a:t>
-            </a:r>
-          </a:p>
-        </p:txBody>
-      </p:sp>
-      <p:sp>
-        <p:nvSpPr>
-          <p:cNvPr id="14" name="Rectangle 13">
-            <a:extLst>
-              <a:ext uri="{FF2B5EF4-FFF2-40B4-BE49-F238E27FC236}">
-                <a16:creationId xmlns:a16="http://schemas.microsoft.com/office/drawing/2014/main" id="{79BF4206-F70D-4058-A255-1516591D07D8}"/>
-              </a:ext>
-            </a:extLst>
-          </p:cNvPr>
-          <p:cNvSpPr/>
-          <p:nvPr/>
-        </p:nvSpPr>
-        <p:spPr>
-          <a:xfrm>
-            <a:off x="6433359" y="5295638"/>
-            <a:ext cx="2571750" cy="723107"/>
-          </a:xfrm>
-          <a:prstGeom prst="rect">
-            <a:avLst/>
-          </a:prstGeom>
-          <a:solidFill>
-            <a:schemeClr val="accent2"/>
-          </a:solidFill>
-        </p:spPr>
-        <p:style>
-          <a:lnRef idx="2">
-            <a:schemeClr val="accent1">
-              <a:shade val="50000"/>
-            </a:schemeClr>
-          </a:lnRef>
-          <a:fillRef idx="1">
-            <a:schemeClr val="accent1"/>
-          </a:fillRef>
-          <a:effectRef idx="0">
-            <a:schemeClr val="accent1"/>
-          </a:effectRef>
-          <a:fontRef idx="minor">
-            <a:schemeClr val="lt1"/>
-          </a:fontRef>
-        </p:style>
-        <p:txBody>
-          <a:bodyPr rtlCol="0" anchor="ctr"/>
-          <a:lstStyle/>
-          <a:p>
-            <a:pPr algn="ctr"/>
-            <a:endParaRPr lang="en-GB" dirty="0"/>
-          </a:p>
-        </p:txBody>
-      </p:sp>
-      <p:sp>
-        <p:nvSpPr>
-          <p:cNvPr id="15" name="TextBox 14">
-            <a:extLst>
-              <a:ext uri="{FF2B5EF4-FFF2-40B4-BE49-F238E27FC236}">
-                <a16:creationId xmlns:a16="http://schemas.microsoft.com/office/drawing/2014/main" id="{1470199E-0785-40EB-9039-527D9637BC28}"/>
-              </a:ext>
-            </a:extLst>
-          </p:cNvPr>
-          <p:cNvSpPr txBox="1"/>
-          <p:nvPr/>
-        </p:nvSpPr>
-        <p:spPr>
-          <a:xfrm>
-            <a:off x="6842933" y="5428195"/>
-            <a:ext cx="1914525" cy="369332"/>
-          </a:xfrm>
-          <a:prstGeom prst="rect">
-            <a:avLst/>
-          </a:prstGeom>
-          <a:noFill/>
-        </p:spPr>
-        <p:txBody>
-          <a:bodyPr wrap="square" rtlCol="0">
-            <a:spAutoFit/>
-          </a:bodyPr>
-          <a:lstStyle/>
-          <a:p>
-            <a:r>
-              <a:rPr lang="en-GB" dirty="0"/>
-              <a:t>Node …..</a:t>
-            </a:r>
-          </a:p>
-        </p:txBody>
-      </p:sp>
-      <p:cxnSp>
-        <p:nvCxnSpPr>
-          <p:cNvPr id="17" name="Straight Arrow Connector 16">
-            <a:extLst>
-              <a:ext uri="{FF2B5EF4-FFF2-40B4-BE49-F238E27FC236}">
-                <a16:creationId xmlns:a16="http://schemas.microsoft.com/office/drawing/2014/main" id="{C88F037A-22C8-4220-A7A3-2C989C3266E6}"/>
-              </a:ext>
-            </a:extLst>
-          </p:cNvPr>
-          <p:cNvCxnSpPr/>
-          <p:nvPr/>
-        </p:nvCxnSpPr>
-        <p:spPr>
-          <a:xfrm flipV="1">
-            <a:off x="3909234" y="1845707"/>
-            <a:ext cx="2266950" cy="625137"/>
-          </a:xfrm>
-          <a:prstGeom prst="straightConnector1">
-            <a:avLst/>
-          </a:prstGeom>
-          <a:ln>
-            <a:tailEnd type="triangle"/>
-          </a:ln>
-        </p:spPr>
-        <p:style>
-          <a:lnRef idx="1">
-            <a:schemeClr val="accent1"/>
-          </a:lnRef>
-          <a:fillRef idx="0">
-            <a:schemeClr val="accent1"/>
-          </a:fillRef>
-          <a:effectRef idx="0">
-            <a:schemeClr val="accent1"/>
-          </a:effectRef>
-          <a:fontRef idx="minor">
-            <a:schemeClr val="tx1"/>
-          </a:fontRef>
-        </p:style>
-      </p:cxnSp>
-      <p:cxnSp>
-        <p:nvCxnSpPr>
-          <p:cNvPr id="19" name="Straight Arrow Connector 18">
-            <a:extLst>
-              <a:ext uri="{FF2B5EF4-FFF2-40B4-BE49-F238E27FC236}">
-                <a16:creationId xmlns:a16="http://schemas.microsoft.com/office/drawing/2014/main" id="{F17AEDF6-36F4-41A7-8FBB-83B4E6E44D1C}"/>
-              </a:ext>
-            </a:extLst>
-          </p:cNvPr>
-          <p:cNvCxnSpPr/>
-          <p:nvPr/>
-        </p:nvCxnSpPr>
-        <p:spPr>
-          <a:xfrm flipV="1">
-            <a:off x="4099734" y="2790825"/>
-            <a:ext cx="2019300" cy="380445"/>
-          </a:xfrm>
-          <a:prstGeom prst="straightConnector1">
-            <a:avLst/>
-          </a:prstGeom>
-          <a:ln>
-            <a:tailEnd type="triangle"/>
-          </a:ln>
-        </p:spPr>
-        <p:style>
-          <a:lnRef idx="1">
-            <a:schemeClr val="accent1"/>
-          </a:lnRef>
-          <a:fillRef idx="0">
-            <a:schemeClr val="accent1"/>
-          </a:fillRef>
-          <a:effectRef idx="0">
-            <a:schemeClr val="accent1"/>
-          </a:effectRef>
-          <a:fontRef idx="minor">
-            <a:schemeClr val="tx1"/>
-          </a:fontRef>
-        </p:style>
-      </p:cxnSp>
-      <p:cxnSp>
-        <p:nvCxnSpPr>
-          <p:cNvPr id="21" name="Straight Arrow Connector 20">
-            <a:extLst>
-              <a:ext uri="{FF2B5EF4-FFF2-40B4-BE49-F238E27FC236}">
-                <a16:creationId xmlns:a16="http://schemas.microsoft.com/office/drawing/2014/main" id="{FCAD187A-F281-4A76-B2DE-2312DE6B7741}"/>
-              </a:ext>
-            </a:extLst>
-          </p:cNvPr>
-          <p:cNvCxnSpPr>
-            <a:cxnSpLocks/>
-            <a:endCxn id="26" idx="1"/>
-          </p:cNvCxnSpPr>
-          <p:nvPr/>
-        </p:nvCxnSpPr>
-        <p:spPr>
-          <a:xfrm flipV="1">
-            <a:off x="4023534" y="3788447"/>
-            <a:ext cx="2028823" cy="12028"/>
-          </a:xfrm>
-          <a:prstGeom prst="straightConnector1">
-            <a:avLst/>
-          </a:prstGeom>
-          <a:ln>
-            <a:tailEnd type="triangle"/>
-          </a:ln>
-        </p:spPr>
-        <p:style>
-          <a:lnRef idx="1">
-            <a:schemeClr val="accent1"/>
-          </a:lnRef>
-          <a:fillRef idx="0">
-            <a:schemeClr val="accent1"/>
-          </a:fillRef>
-          <a:effectRef idx="0">
-            <a:schemeClr val="accent1"/>
-          </a:effectRef>
-          <a:fontRef idx="minor">
-            <a:schemeClr val="tx1"/>
-          </a:fontRef>
-        </p:style>
-      </p:cxnSp>
-      <p:cxnSp>
-        <p:nvCxnSpPr>
-          <p:cNvPr id="23" name="Straight Arrow Connector 22">
-            <a:extLst>
-              <a:ext uri="{FF2B5EF4-FFF2-40B4-BE49-F238E27FC236}">
-                <a16:creationId xmlns:a16="http://schemas.microsoft.com/office/drawing/2014/main" id="{D46161B5-2E86-4BEA-A019-9BAFB105CFF7}"/>
-              </a:ext>
-            </a:extLst>
-          </p:cNvPr>
-          <p:cNvCxnSpPr>
-            <a:cxnSpLocks/>
-            <a:endCxn id="32" idx="1"/>
-          </p:cNvCxnSpPr>
-          <p:nvPr/>
-        </p:nvCxnSpPr>
-        <p:spPr>
-          <a:xfrm>
-            <a:off x="3909234" y="4229100"/>
-            <a:ext cx="1966943" cy="515588"/>
-          </a:xfrm>
-          <a:prstGeom prst="straightConnector1">
-            <a:avLst/>
-          </a:prstGeom>
-          <a:ln>
-            <a:tailEnd type="triangle"/>
-          </a:ln>
-        </p:spPr>
-        <p:style>
-          <a:lnRef idx="1">
-            <a:schemeClr val="accent1"/>
-          </a:lnRef>
-          <a:fillRef idx="0">
-            <a:schemeClr val="accent1"/>
-          </a:fillRef>
-          <a:effectRef idx="0">
-            <a:schemeClr val="accent1"/>
-          </a:effectRef>
-          <a:fontRef idx="minor">
-            <a:schemeClr val="tx1"/>
-          </a:fontRef>
-        </p:style>
-      </p:cxnSp>
-      <p:sp>
-        <p:nvSpPr>
-          <p:cNvPr id="24" name="TextBox 23">
-            <a:extLst>
-              <a:ext uri="{FF2B5EF4-FFF2-40B4-BE49-F238E27FC236}">
-                <a16:creationId xmlns:a16="http://schemas.microsoft.com/office/drawing/2014/main" id="{0846FC01-DE32-45FF-8AEC-76FFF0FF8B65}"/>
-              </a:ext>
-            </a:extLst>
-          </p:cNvPr>
-          <p:cNvSpPr txBox="1"/>
-          <p:nvPr/>
-        </p:nvSpPr>
-        <p:spPr>
-          <a:xfrm>
-            <a:off x="6099984" y="1511944"/>
-            <a:ext cx="666749" cy="646331"/>
-          </a:xfrm>
-          <a:prstGeom prst="rect">
-            <a:avLst/>
-          </a:prstGeom>
-          <a:noFill/>
-        </p:spPr>
-        <p:txBody>
-          <a:bodyPr wrap="square" rtlCol="0">
-            <a:spAutoFit/>
-          </a:bodyPr>
-          <a:lstStyle/>
-          <a:p>
-            <a:r>
-              <a:rPr lang="en-GB" sz="3600" b="1" dirty="0">
-                <a:solidFill>
-                  <a:srgbClr val="FF0000"/>
-                </a:solidFill>
-              </a:rPr>
-              <a:t>X</a:t>
-            </a:r>
-          </a:p>
-        </p:txBody>
-      </p:sp>
-      <p:sp>
-        <p:nvSpPr>
-          <p:cNvPr id="25" name="TextBox 24">
-            <a:extLst>
-              <a:ext uri="{FF2B5EF4-FFF2-40B4-BE49-F238E27FC236}">
-                <a16:creationId xmlns:a16="http://schemas.microsoft.com/office/drawing/2014/main" id="{F87DB2F2-53BC-481B-9ED2-6D50B91C1433}"/>
-              </a:ext>
-            </a:extLst>
-          </p:cNvPr>
-          <p:cNvSpPr txBox="1"/>
-          <p:nvPr/>
-        </p:nvSpPr>
-        <p:spPr>
-          <a:xfrm>
-            <a:off x="6090458" y="2423223"/>
-            <a:ext cx="666749" cy="646331"/>
-          </a:xfrm>
-          <a:prstGeom prst="rect">
-            <a:avLst/>
-          </a:prstGeom>
-          <a:noFill/>
-        </p:spPr>
-        <p:txBody>
-          <a:bodyPr wrap="square" rtlCol="0">
-            <a:spAutoFit/>
-          </a:bodyPr>
-          <a:lstStyle/>
-          <a:p>
-            <a:r>
-              <a:rPr lang="en-GB" sz="3600" b="1" dirty="0">
-                <a:solidFill>
-                  <a:srgbClr val="FF0000"/>
-                </a:solidFill>
-              </a:rPr>
-              <a:t>X</a:t>
-            </a:r>
-          </a:p>
-        </p:txBody>
-      </p:sp>
-      <p:sp>
-        <p:nvSpPr>
-          <p:cNvPr id="26" name="TextBox 25">
-            <a:extLst>
-              <a:ext uri="{FF2B5EF4-FFF2-40B4-BE49-F238E27FC236}">
-                <a16:creationId xmlns:a16="http://schemas.microsoft.com/office/drawing/2014/main" id="{B69A83DB-B2F6-407B-9578-AD5ADAB32854}"/>
-              </a:ext>
-            </a:extLst>
-          </p:cNvPr>
-          <p:cNvSpPr txBox="1"/>
-          <p:nvPr/>
-        </p:nvSpPr>
-        <p:spPr>
-          <a:xfrm>
-            <a:off x="6052357" y="3465281"/>
-            <a:ext cx="666749" cy="646331"/>
-          </a:xfrm>
-          <a:prstGeom prst="rect">
-            <a:avLst/>
-          </a:prstGeom>
-          <a:noFill/>
-        </p:spPr>
-        <p:txBody>
-          <a:bodyPr wrap="square" rtlCol="0">
-            <a:spAutoFit/>
-          </a:bodyPr>
-          <a:lstStyle/>
-          <a:p>
-            <a:r>
-              <a:rPr lang="en-GB" sz="3600" b="1" dirty="0">
-                <a:solidFill>
-                  <a:srgbClr val="FF0000"/>
-                </a:solidFill>
-              </a:rPr>
-              <a:t>X</a:t>
-            </a:r>
-          </a:p>
-        </p:txBody>
-      </p:sp>
-      <p:pic>
-        <p:nvPicPr>
-          <p:cNvPr id="32" name="Graphic 31" descr="Checkmark">
-            <a:extLst>
-              <a:ext uri="{FF2B5EF4-FFF2-40B4-BE49-F238E27FC236}">
-                <a16:creationId xmlns:a16="http://schemas.microsoft.com/office/drawing/2014/main" id="{B8966F61-C227-4EE1-8939-802B260223FB}"/>
-              </a:ext>
-            </a:extLst>
-          </p:cNvPr>
-          <p:cNvPicPr>
-            <a:picLocks noChangeAspect="1"/>
-          </p:cNvPicPr>
-          <p:nvPr/>
-        </p:nvPicPr>
-        <p:blipFill>
-          <a:blip r:embed="rId2">
-            <a:extLst>
-              <a:ext uri="{28A0092B-C50C-407E-A947-70E740481C1C}">
-                <a14:useLocalDpi xmlns:a14="http://schemas.microsoft.com/office/drawing/2010/main" val="0"/>
-              </a:ext>
-              <a:ext uri="{96DAC541-7B7A-43D3-8B79-37D633B846F1}">
-                <asvg:svgBlip xmlns:asvg="http://schemas.microsoft.com/office/drawing/2016/SVG/main" r:embed="rId3"/>
-              </a:ext>
-            </a:extLst>
-          </a:blip>
-          <a:stretch>
-            <a:fillRect/>
-          </a:stretch>
-        </p:blipFill>
-        <p:spPr>
-          <a:xfrm>
-            <a:off x="5876177" y="4444681"/>
-            <a:ext cx="600014" cy="600014"/>
-          </a:xfrm>
-          <a:prstGeom prst="rect">
-            <a:avLst/>
-          </a:prstGeom>
-        </p:spPr>
-      </p:pic>
-      <p:sp>
-        <p:nvSpPr>
-          <p:cNvPr id="33" name="Rectangle 32">
-            <a:extLst>
-              <a:ext uri="{FF2B5EF4-FFF2-40B4-BE49-F238E27FC236}">
-                <a16:creationId xmlns:a16="http://schemas.microsoft.com/office/drawing/2014/main" id="{F0ECDECA-CD02-4663-A0E4-EA800690787E}"/>
-              </a:ext>
-            </a:extLst>
-          </p:cNvPr>
-          <p:cNvSpPr/>
-          <p:nvPr/>
-        </p:nvSpPr>
-        <p:spPr>
-          <a:xfrm>
-            <a:off x="-9526" y="6151302"/>
-            <a:ext cx="12192000" cy="646331"/>
-          </a:xfrm>
-          <a:prstGeom prst="rect">
-            <a:avLst/>
-          </a:prstGeom>
-        </p:spPr>
-        <p:txBody>
-          <a:bodyPr wrap="square">
-            <a:spAutoFit/>
-          </a:bodyPr>
-          <a:lstStyle/>
-          <a:p>
-            <a:r>
-              <a:rPr lang="en-GB" dirty="0" err="1"/>
-              <a:t>qsub</a:t>
-            </a:r>
-            <a:r>
-              <a:rPr lang="en-GB" dirty="0"/>
-              <a:t> will run jobs depending on the load: Waiting jobs = </a:t>
-            </a:r>
-            <a:r>
-              <a:rPr lang="en-GB" dirty="0" err="1">
-                <a:solidFill>
-                  <a:srgbClr val="FF0000"/>
-                </a:solidFill>
-              </a:rPr>
-              <a:t>qw</a:t>
-            </a:r>
-            <a:r>
-              <a:rPr lang="en-GB" dirty="0"/>
-              <a:t>   jobs in error state = </a:t>
-            </a:r>
-            <a:r>
-              <a:rPr lang="en-GB" dirty="0" err="1">
-                <a:solidFill>
-                  <a:srgbClr val="FF0000"/>
-                </a:solidFill>
-              </a:rPr>
-              <a:t>Eqw</a:t>
-            </a:r>
-            <a:r>
-              <a:rPr lang="en-GB" dirty="0">
-                <a:solidFill>
-                  <a:srgbClr val="FF0000"/>
-                </a:solidFill>
-              </a:rPr>
-              <a:t>    </a:t>
-            </a:r>
-            <a:r>
-              <a:rPr lang="en-GB" dirty="0"/>
-              <a:t> dead jobs = </a:t>
-            </a:r>
-            <a:r>
-              <a:rPr lang="en-GB" dirty="0">
-                <a:solidFill>
-                  <a:srgbClr val="FF0000"/>
-                </a:solidFill>
-              </a:rPr>
-              <a:t>d   (these error will make sense in a few slides time)</a:t>
-            </a:r>
-          </a:p>
-        </p:txBody>
-      </p:sp>
-      <p:sp>
-        <p:nvSpPr>
-          <p:cNvPr id="35" name="TextBox 34">
-            <a:extLst>
-              <a:ext uri="{FF2B5EF4-FFF2-40B4-BE49-F238E27FC236}">
-                <a16:creationId xmlns:a16="http://schemas.microsoft.com/office/drawing/2014/main" id="{6AE9A721-A0CF-4189-BC5E-B0998F7DC701}"/>
-              </a:ext>
-            </a:extLst>
-          </p:cNvPr>
-          <p:cNvSpPr txBox="1"/>
-          <p:nvPr/>
-        </p:nvSpPr>
-        <p:spPr>
-          <a:xfrm>
-            <a:off x="9186084" y="4444681"/>
-            <a:ext cx="1990725" cy="369332"/>
-          </a:xfrm>
-          <a:prstGeom prst="rect">
-            <a:avLst/>
-          </a:prstGeom>
-          <a:noFill/>
-        </p:spPr>
-        <p:txBody>
-          <a:bodyPr wrap="square" rtlCol="0">
-            <a:spAutoFit/>
-          </a:bodyPr>
-          <a:lstStyle/>
-          <a:p>
-            <a:r>
-              <a:rPr lang="en-GB" dirty="0"/>
-              <a:t>… job runs on here</a:t>
+              <a:t>END HERE</a:t>
             </a:r>
           </a:p>
         </p:txBody>
@@ -4718,7 +3854,7 @@
     </p:spTree>
     <p:extLst>
       <p:ext uri="{BB962C8B-B14F-4D97-AF65-F5344CB8AC3E}">
-        <p14:creationId xmlns:p14="http://schemas.microsoft.com/office/powerpoint/2010/main" val="1790582175"/>
+        <p14:creationId xmlns:p14="http://schemas.microsoft.com/office/powerpoint/2010/main" val="90237809"/>
       </p:ext>
     </p:extLst>
   </p:cSld>
@@ -4750,7 +3886,7 @@
           <p:cNvPr id="2" name="Title 1">
             <a:extLst>
               <a:ext uri="{FF2B5EF4-FFF2-40B4-BE49-F238E27FC236}">
-                <a16:creationId xmlns:a16="http://schemas.microsoft.com/office/drawing/2014/main" id="{F08C7102-A670-4959-9B22-1073D9E41E09}"/>
+                <a16:creationId xmlns:a16="http://schemas.microsoft.com/office/drawing/2014/main" id="{36F5B3D1-4220-4EDE-8E53-8D3958D52DB1}"/>
               </a:ext>
             </a:extLst>
           </p:cNvPr>
@@ -4763,8 +3899,8 @@
         </p:nvSpPr>
         <p:spPr>
           <a:xfrm>
-            <a:off x="0" y="18255"/>
-            <a:ext cx="11353800" cy="1325563"/>
+            <a:off x="838200" y="18255"/>
+            <a:ext cx="10515600" cy="1325563"/>
           </a:xfrm>
         </p:spPr>
         <p:txBody>
@@ -4794,12 +3930,12 @@
                   <a:srgbClr val="7030A0"/>
                 </a:solidFill>
               </a:rPr>
-              <a:t>: </a:t>
+              <a:t>: What is </a:t>
             </a:r>
             <a:r>
               <a:rPr lang="en-GB" dirty="0" err="1">
                 <a:solidFill>
-                  <a:srgbClr val="0070C0"/>
+                  <a:srgbClr val="7030A0"/>
                 </a:solidFill>
               </a:rPr>
               <a:t>qsub</a:t>
@@ -4810,289 +3946,64 @@
                   <a:srgbClr val="7030A0"/>
                 </a:solidFill>
               </a:rPr>
-              <a:t> multi cores</a:t>
-            </a:r>
-          </a:p>
-        </p:txBody>
-      </p:sp>
-      <p:sp>
-        <p:nvSpPr>
-          <p:cNvPr id="3" name="Content Placeholder 2">
-            <a:extLst>
-              <a:ext uri="{FF2B5EF4-FFF2-40B4-BE49-F238E27FC236}">
-                <a16:creationId xmlns:a16="http://schemas.microsoft.com/office/drawing/2014/main" id="{2015C571-0C43-419D-858F-E0C92AACE419}"/>
-              </a:ext>
-            </a:extLst>
-          </p:cNvPr>
-          <p:cNvSpPr>
-            <a:spLocks noGrp="1"/>
-          </p:cNvSpPr>
-          <p:nvPr>
-            <p:ph idx="1"/>
-          </p:nvPr>
+              <a:t> doing?</a:t>
+            </a:r>
+          </a:p>
+        </p:txBody>
+      </p:sp>
+      <p:sp>
+        <p:nvSpPr>
+          <p:cNvPr id="4" name="Oval 3">
+            <a:extLst>
+              <a:ext uri="{FF2B5EF4-FFF2-40B4-BE49-F238E27FC236}">
+                <a16:creationId xmlns:a16="http://schemas.microsoft.com/office/drawing/2014/main" id="{11A8F7FC-AD4B-464B-9DA3-1E4B4997DB70}"/>
+              </a:ext>
+            </a:extLst>
+          </p:cNvPr>
+          <p:cNvSpPr/>
+          <p:nvPr/>
         </p:nvSpPr>
         <p:spPr>
           <a:xfrm>
-            <a:off x="431800" y="1343818"/>
-            <a:ext cx="11315700" cy="5222082"/>
-          </a:xfrm>
-        </p:spPr>
-        <p:txBody>
-          <a:bodyPr>
-            <a:normAutofit lnSpcReduction="10000"/>
-          </a:bodyPr>
-          <a:lstStyle/>
-          <a:p>
-            <a:pPr marL="0" indent="0">
-              <a:buNone/>
-            </a:pPr>
-            <a:endParaRPr lang="en-GB" dirty="0">
-              <a:solidFill>
-                <a:schemeClr val="accent1"/>
-              </a:solidFill>
-            </a:endParaRPr>
-          </a:p>
-          <a:p>
-            <a:pPr marL="0" indent="0">
-              <a:buNone/>
-            </a:pPr>
-            <a:r>
-              <a:rPr lang="en-GB" dirty="0"/>
-              <a:t>To ask for multicore job, e.g. </a:t>
-            </a:r>
-            <a:r>
-              <a:rPr lang="en-GB" u="sng" dirty="0"/>
-              <a:t>4</a:t>
-            </a:r>
-            <a:r>
-              <a:rPr lang="en-GB" dirty="0"/>
-              <a:t> cores:</a:t>
-            </a:r>
-          </a:p>
-          <a:p>
-            <a:pPr marL="0" indent="0">
-              <a:buNone/>
-            </a:pPr>
-            <a:r>
-              <a:rPr lang="en-GB" dirty="0">
-                <a:solidFill>
-                  <a:schemeClr val="accent1"/>
-                </a:solidFill>
-              </a:rPr>
-              <a:t>         </a:t>
-            </a:r>
-            <a:r>
-              <a:rPr lang="en-GB" dirty="0" err="1">
-                <a:solidFill>
-                  <a:schemeClr val="accent1"/>
-                </a:solidFill>
-              </a:rPr>
-              <a:t>qsub</a:t>
-            </a:r>
-            <a:r>
-              <a:rPr lang="en-GB" dirty="0">
-                <a:solidFill>
-                  <a:schemeClr val="accent1"/>
-                </a:solidFill>
-              </a:rPr>
-              <a:t> -V -pe multi </a:t>
-            </a:r>
-            <a:r>
-              <a:rPr lang="en-GB" u="sng" dirty="0">
-                <a:solidFill>
-                  <a:schemeClr val="accent1"/>
-                </a:solidFill>
-              </a:rPr>
-              <a:t>4</a:t>
-            </a:r>
-            <a:r>
-              <a:rPr lang="en-GB" dirty="0">
-                <a:solidFill>
-                  <a:schemeClr val="accent1"/>
-                </a:solidFill>
-              </a:rPr>
-              <a:t> script.sh</a:t>
-            </a:r>
-          </a:p>
-          <a:p>
-            <a:pPr marL="0" indent="0">
-              <a:buNone/>
-            </a:pPr>
-            <a:endParaRPr lang="en-GB" dirty="0"/>
-          </a:p>
-          <a:p>
-            <a:pPr marL="0" indent="0">
-              <a:buNone/>
-            </a:pPr>
-            <a:r>
-              <a:rPr lang="en-GB" dirty="0"/>
-              <a:t>To see the available queues for the cluster type </a:t>
-            </a:r>
-            <a:r>
-              <a:rPr lang="en-GB" dirty="0">
-                <a:solidFill>
-                  <a:srgbClr val="0070C0"/>
-                </a:solidFill>
-              </a:rPr>
-              <a:t>seeq.pl</a:t>
-            </a:r>
-          </a:p>
-          <a:p>
-            <a:pPr marL="0" indent="0">
-              <a:buNone/>
-            </a:pPr>
-            <a:endParaRPr lang="en-GB" dirty="0"/>
-          </a:p>
-          <a:p>
-            <a:pPr marL="0" indent="0">
-              <a:buNone/>
-            </a:pPr>
-            <a:r>
-              <a:rPr lang="en-GB" dirty="0"/>
-              <a:t>High memory q</a:t>
-            </a:r>
-          </a:p>
-          <a:p>
-            <a:pPr marL="0" indent="0">
-              <a:buNone/>
-            </a:pPr>
-            <a:r>
-              <a:rPr lang="en-GB" dirty="0">
-                <a:solidFill>
-                  <a:schemeClr val="accent1"/>
-                </a:solidFill>
-              </a:rPr>
-              <a:t>         </a:t>
-            </a:r>
-            <a:r>
-              <a:rPr lang="en-GB" dirty="0" err="1">
-                <a:solidFill>
-                  <a:schemeClr val="accent1"/>
-                </a:solidFill>
-              </a:rPr>
-              <a:t>qsub</a:t>
-            </a:r>
-            <a:r>
-              <a:rPr lang="en-GB" dirty="0">
-                <a:solidFill>
-                  <a:schemeClr val="accent1"/>
-                </a:solidFill>
-              </a:rPr>
-              <a:t> -q </a:t>
-            </a:r>
-            <a:r>
-              <a:rPr lang="en-GB" dirty="0" err="1">
-                <a:solidFill>
-                  <a:schemeClr val="accent1"/>
-                </a:solidFill>
-              </a:rPr>
-              <a:t>highmemory.q</a:t>
-            </a:r>
-            <a:r>
-              <a:rPr lang="en-GB" dirty="0">
-                <a:solidFill>
-                  <a:schemeClr val="accent1"/>
-                </a:solidFill>
-              </a:rPr>
-              <a:t> -V -</a:t>
-            </a:r>
-            <a:r>
-              <a:rPr lang="en-GB" dirty="0" err="1">
-                <a:solidFill>
-                  <a:schemeClr val="accent1"/>
-                </a:solidFill>
-              </a:rPr>
-              <a:t>pe</a:t>
-            </a:r>
-            <a:r>
-              <a:rPr lang="en-GB" dirty="0">
-                <a:solidFill>
-                  <a:schemeClr val="accent1"/>
-                </a:solidFill>
-              </a:rPr>
-              <a:t> multi </a:t>
-            </a:r>
-            <a:r>
-              <a:rPr lang="en-GB" u="sng" dirty="0">
-                <a:solidFill>
-                  <a:schemeClr val="accent1"/>
-                </a:solidFill>
-              </a:rPr>
-              <a:t>4</a:t>
-            </a:r>
-            <a:r>
-              <a:rPr lang="en-GB" dirty="0">
-                <a:solidFill>
-                  <a:schemeClr val="accent1"/>
-                </a:solidFill>
-              </a:rPr>
-              <a:t> script.sh</a:t>
-            </a:r>
-            <a:endParaRPr lang="en-GB" dirty="0"/>
-          </a:p>
-          <a:p>
-            <a:pPr marL="0" indent="0">
-              <a:buNone/>
-            </a:pPr>
-            <a:endParaRPr lang="en-GB" dirty="0">
-              <a:solidFill>
-                <a:schemeClr val="accent1"/>
-              </a:solidFill>
-            </a:endParaRPr>
-          </a:p>
-          <a:p>
-            <a:pPr marL="0" indent="0">
-              <a:buNone/>
-            </a:pPr>
-            <a:r>
-              <a:rPr lang="en-GB" dirty="0"/>
-              <a:t>Is it running? – type:</a:t>
-            </a:r>
-          </a:p>
-          <a:p>
-            <a:pPr marL="0" indent="0">
-              <a:buNone/>
-            </a:pPr>
-            <a:r>
-              <a:rPr lang="en-GB" dirty="0">
-                <a:solidFill>
-                  <a:schemeClr val="accent1"/>
-                </a:solidFill>
-              </a:rPr>
-              <a:t>        </a:t>
-            </a:r>
-            <a:r>
-              <a:rPr lang="en-GB" dirty="0" err="1">
-                <a:solidFill>
-                  <a:schemeClr val="accent1"/>
-                </a:solidFill>
-              </a:rPr>
-              <a:t>qstat</a:t>
-            </a:r>
-            <a:endParaRPr lang="en-GB" dirty="0">
-              <a:solidFill>
-                <a:schemeClr val="accent1"/>
-              </a:solidFill>
-            </a:endParaRPr>
-          </a:p>
-          <a:p>
-            <a:pPr marL="0" indent="0">
-              <a:buNone/>
-            </a:pPr>
-            <a:endParaRPr lang="en-GB" dirty="0">
-              <a:solidFill>
-                <a:schemeClr val="accent1"/>
-              </a:solidFill>
-            </a:endParaRPr>
-          </a:p>
-        </p:txBody>
-      </p:sp>
-      <p:sp>
-        <p:nvSpPr>
-          <p:cNvPr id="4" name="TextBox 3">
-            <a:extLst>
-              <a:ext uri="{FF2B5EF4-FFF2-40B4-BE49-F238E27FC236}">
-                <a16:creationId xmlns:a16="http://schemas.microsoft.com/office/drawing/2014/main" id="{F05E03B3-C923-447F-A5AA-B0DB3C2CB895}"/>
+            <a:off x="746933" y="1845707"/>
+            <a:ext cx="3276601" cy="3050937"/>
+          </a:xfrm>
+          <a:prstGeom prst="ellipse">
+            <a:avLst/>
+          </a:prstGeom>
+          <a:noFill/>
+        </p:spPr>
+        <p:style>
+          <a:lnRef idx="2">
+            <a:schemeClr val="accent1">
+              <a:shade val="50000"/>
+            </a:schemeClr>
+          </a:lnRef>
+          <a:fillRef idx="1">
+            <a:schemeClr val="accent1"/>
+          </a:fillRef>
+          <a:effectRef idx="0">
+            <a:schemeClr val="accent1"/>
+          </a:effectRef>
+          <a:fontRef idx="minor">
+            <a:schemeClr val="lt1"/>
+          </a:fontRef>
+        </p:style>
+        <p:txBody>
+          <a:bodyPr rtlCol="0" anchor="ctr"/>
+          <a:lstStyle/>
+          <a:p>
+            <a:pPr algn="ctr"/>
+            <a:endParaRPr lang="en-GB"/>
+          </a:p>
+        </p:txBody>
+      </p:sp>
+      <p:sp>
+        <p:nvSpPr>
+          <p:cNvPr id="5" name="TextBox 4">
+            <a:extLst>
+              <a:ext uri="{FF2B5EF4-FFF2-40B4-BE49-F238E27FC236}">
+                <a16:creationId xmlns:a16="http://schemas.microsoft.com/office/drawing/2014/main" id="{1D1EEF83-7D33-4852-8833-065040F97B8C}"/>
               </a:ext>
             </a:extLst>
           </p:cNvPr>
@@ -5101,8 +4012,8 @@
         </p:nvSpPr>
         <p:spPr>
           <a:xfrm>
-            <a:off x="10350500" y="0"/>
-            <a:ext cx="1841500" cy="584775"/>
+            <a:off x="1289859" y="2699841"/>
+            <a:ext cx="2343150" cy="1569660"/>
           </a:xfrm>
           <a:prstGeom prst="rect">
             <a:avLst/>
@@ -5116,31 +4027,883 @@
           <a:lstStyle/>
           <a:p>
             <a:r>
-              <a:rPr lang="en-GB" sz="3200" dirty="0">
+              <a:rPr lang="en-GB" sz="2400" b="1" u="sng" dirty="0"/>
+              <a:t>Head node: </a:t>
+            </a:r>
+            <a:r>
+              <a:rPr lang="en-GB" sz="2400" dirty="0"/>
+              <a:t>Receives </a:t>
+            </a:r>
+            <a:r>
+              <a:rPr lang="en-GB" sz="2400" dirty="0" err="1">
+                <a:solidFill>
+                  <a:srgbClr val="0070C0"/>
+                </a:solidFill>
+              </a:rPr>
+              <a:t>qsub</a:t>
+            </a:r>
+            <a:r>
+              <a:rPr lang="en-GB" sz="2400" dirty="0"/>
+              <a:t> job command from you</a:t>
+            </a:r>
+          </a:p>
+        </p:txBody>
+      </p:sp>
+      <p:sp>
+        <p:nvSpPr>
+          <p:cNvPr id="6" name="Rectangle 5">
+            <a:extLst>
+              <a:ext uri="{FF2B5EF4-FFF2-40B4-BE49-F238E27FC236}">
+                <a16:creationId xmlns:a16="http://schemas.microsoft.com/office/drawing/2014/main" id="{B41F488C-078D-4265-BD21-F6ED0EA2BC19}"/>
+              </a:ext>
+            </a:extLst>
+          </p:cNvPr>
+          <p:cNvSpPr/>
+          <p:nvPr/>
+        </p:nvSpPr>
+        <p:spPr>
+          <a:xfrm>
+            <a:off x="6442884" y="1343818"/>
+            <a:ext cx="2571750" cy="723107"/>
+          </a:xfrm>
+          <a:prstGeom prst="rect">
+            <a:avLst/>
+          </a:prstGeom>
+          <a:solidFill>
+            <a:schemeClr val="accent2"/>
+          </a:solidFill>
+        </p:spPr>
+        <p:style>
+          <a:lnRef idx="2">
+            <a:schemeClr val="accent1">
+              <a:shade val="50000"/>
+            </a:schemeClr>
+          </a:lnRef>
+          <a:fillRef idx="1">
+            <a:schemeClr val="accent1"/>
+          </a:fillRef>
+          <a:effectRef idx="0">
+            <a:schemeClr val="accent1"/>
+          </a:effectRef>
+          <a:fontRef idx="minor">
+            <a:schemeClr val="lt1"/>
+          </a:fontRef>
+        </p:style>
+        <p:txBody>
+          <a:bodyPr rtlCol="0" anchor="ctr"/>
+          <a:lstStyle/>
+          <a:p>
+            <a:pPr algn="ctr"/>
+            <a:endParaRPr lang="en-GB" dirty="0"/>
+          </a:p>
+        </p:txBody>
+      </p:sp>
+      <p:sp>
+        <p:nvSpPr>
+          <p:cNvPr id="7" name="TextBox 6">
+            <a:extLst>
+              <a:ext uri="{FF2B5EF4-FFF2-40B4-BE49-F238E27FC236}">
+                <a16:creationId xmlns:a16="http://schemas.microsoft.com/office/drawing/2014/main" id="{E872B089-D97F-4201-876E-789C0FF0CA3F}"/>
+              </a:ext>
+            </a:extLst>
+          </p:cNvPr>
+          <p:cNvSpPr txBox="1"/>
+          <p:nvPr/>
+        </p:nvSpPr>
+        <p:spPr>
+          <a:xfrm>
+            <a:off x="6852458" y="1476375"/>
+            <a:ext cx="1914525" cy="369332"/>
+          </a:xfrm>
+          <a:prstGeom prst="rect">
+            <a:avLst/>
+          </a:prstGeom>
+          <a:noFill/>
+        </p:spPr>
+        <p:txBody>
+          <a:bodyPr wrap="square" rtlCol="0">
+            <a:spAutoFit/>
+          </a:bodyPr>
+          <a:lstStyle/>
+          <a:p>
+            <a:r>
+              <a:rPr lang="en-GB" dirty="0"/>
+              <a:t>Node 1: Full</a:t>
+            </a:r>
+          </a:p>
+        </p:txBody>
+      </p:sp>
+      <p:sp>
+        <p:nvSpPr>
+          <p:cNvPr id="8" name="Rectangle 7">
+            <a:extLst>
+              <a:ext uri="{FF2B5EF4-FFF2-40B4-BE49-F238E27FC236}">
+                <a16:creationId xmlns:a16="http://schemas.microsoft.com/office/drawing/2014/main" id="{F180C417-FA52-45C9-8A76-AE5783593B22}"/>
+              </a:ext>
+            </a:extLst>
+          </p:cNvPr>
+          <p:cNvSpPr/>
+          <p:nvPr/>
+        </p:nvSpPr>
+        <p:spPr>
+          <a:xfrm>
+            <a:off x="6442884" y="2338287"/>
+            <a:ext cx="2571750" cy="723107"/>
+          </a:xfrm>
+          <a:prstGeom prst="rect">
+            <a:avLst/>
+          </a:prstGeom>
+          <a:solidFill>
+            <a:schemeClr val="accent2"/>
+          </a:solidFill>
+        </p:spPr>
+        <p:style>
+          <a:lnRef idx="2">
+            <a:schemeClr val="accent1">
+              <a:shade val="50000"/>
+            </a:schemeClr>
+          </a:lnRef>
+          <a:fillRef idx="1">
+            <a:schemeClr val="accent1"/>
+          </a:fillRef>
+          <a:effectRef idx="0">
+            <a:schemeClr val="accent1"/>
+          </a:effectRef>
+          <a:fontRef idx="minor">
+            <a:schemeClr val="lt1"/>
+          </a:fontRef>
+        </p:style>
+        <p:txBody>
+          <a:bodyPr rtlCol="0" anchor="ctr"/>
+          <a:lstStyle/>
+          <a:p>
+            <a:pPr algn="ctr"/>
+            <a:endParaRPr lang="en-GB" dirty="0"/>
+          </a:p>
+        </p:txBody>
+      </p:sp>
+      <p:sp>
+        <p:nvSpPr>
+          <p:cNvPr id="9" name="TextBox 8">
+            <a:extLst>
+              <a:ext uri="{FF2B5EF4-FFF2-40B4-BE49-F238E27FC236}">
+                <a16:creationId xmlns:a16="http://schemas.microsoft.com/office/drawing/2014/main" id="{BECE6C3C-5C3D-4DBE-BCE0-48D474227656}"/>
+              </a:ext>
+            </a:extLst>
+          </p:cNvPr>
+          <p:cNvSpPr txBox="1"/>
+          <p:nvPr/>
+        </p:nvSpPr>
+        <p:spPr>
+          <a:xfrm>
+            <a:off x="6852458" y="2470844"/>
+            <a:ext cx="2152651" cy="646331"/>
+          </a:xfrm>
+          <a:prstGeom prst="rect">
+            <a:avLst/>
+          </a:prstGeom>
+          <a:noFill/>
+        </p:spPr>
+        <p:txBody>
+          <a:bodyPr wrap="square" rtlCol="0">
+            <a:spAutoFit/>
+          </a:bodyPr>
+          <a:lstStyle/>
+          <a:p>
+            <a:r>
+              <a:rPr lang="en-GB" dirty="0"/>
+              <a:t>Node 2: NOT enough RAM</a:t>
+            </a:r>
+          </a:p>
+        </p:txBody>
+      </p:sp>
+      <p:sp>
+        <p:nvSpPr>
+          <p:cNvPr id="10" name="Rectangle 9">
+            <a:extLst>
+              <a:ext uri="{FF2B5EF4-FFF2-40B4-BE49-F238E27FC236}">
+                <a16:creationId xmlns:a16="http://schemas.microsoft.com/office/drawing/2014/main" id="{A81B87AC-40C8-449E-A6B4-06DFEA9DC292}"/>
+              </a:ext>
+            </a:extLst>
+          </p:cNvPr>
+          <p:cNvSpPr/>
+          <p:nvPr/>
+        </p:nvSpPr>
+        <p:spPr>
+          <a:xfrm>
+            <a:off x="6442884" y="3332756"/>
+            <a:ext cx="2571750" cy="723107"/>
+          </a:xfrm>
+          <a:prstGeom prst="rect">
+            <a:avLst/>
+          </a:prstGeom>
+          <a:solidFill>
+            <a:schemeClr val="accent2"/>
+          </a:solidFill>
+        </p:spPr>
+        <p:style>
+          <a:lnRef idx="2">
+            <a:schemeClr val="accent1">
+              <a:shade val="50000"/>
+            </a:schemeClr>
+          </a:lnRef>
+          <a:fillRef idx="1">
+            <a:schemeClr val="accent1"/>
+          </a:fillRef>
+          <a:effectRef idx="0">
+            <a:schemeClr val="accent1"/>
+          </a:effectRef>
+          <a:fontRef idx="minor">
+            <a:schemeClr val="lt1"/>
+          </a:fontRef>
+        </p:style>
+        <p:txBody>
+          <a:bodyPr rtlCol="0" anchor="ctr"/>
+          <a:lstStyle/>
+          <a:p>
+            <a:pPr algn="ctr"/>
+            <a:endParaRPr lang="en-GB" dirty="0"/>
+          </a:p>
+        </p:txBody>
+      </p:sp>
+      <p:sp>
+        <p:nvSpPr>
+          <p:cNvPr id="11" name="TextBox 10">
+            <a:extLst>
+              <a:ext uri="{FF2B5EF4-FFF2-40B4-BE49-F238E27FC236}">
+                <a16:creationId xmlns:a16="http://schemas.microsoft.com/office/drawing/2014/main" id="{B1E569AE-0BC5-4A94-9ED5-16BD37A50454}"/>
+              </a:ext>
+            </a:extLst>
+          </p:cNvPr>
+          <p:cNvSpPr txBox="1"/>
+          <p:nvPr/>
+        </p:nvSpPr>
+        <p:spPr>
+          <a:xfrm>
+            <a:off x="6852458" y="3465313"/>
+            <a:ext cx="2152651" cy="646331"/>
+          </a:xfrm>
+          <a:prstGeom prst="rect">
+            <a:avLst/>
+          </a:prstGeom>
+          <a:noFill/>
+        </p:spPr>
+        <p:txBody>
+          <a:bodyPr wrap="square" rtlCol="0">
+            <a:spAutoFit/>
+          </a:bodyPr>
+          <a:lstStyle/>
+          <a:p>
+            <a:r>
+              <a:rPr lang="en-GB" dirty="0"/>
+              <a:t>Node 3: Not enough cores</a:t>
+            </a:r>
+          </a:p>
+        </p:txBody>
+      </p:sp>
+      <p:sp>
+        <p:nvSpPr>
+          <p:cNvPr id="12" name="Rectangle 11">
+            <a:extLst>
+              <a:ext uri="{FF2B5EF4-FFF2-40B4-BE49-F238E27FC236}">
+                <a16:creationId xmlns:a16="http://schemas.microsoft.com/office/drawing/2014/main" id="{BAF66CE7-1FE6-4F7B-9338-D22A9760E2A6}"/>
+              </a:ext>
+            </a:extLst>
+          </p:cNvPr>
+          <p:cNvSpPr/>
+          <p:nvPr/>
+        </p:nvSpPr>
+        <p:spPr>
+          <a:xfrm>
+            <a:off x="6433359" y="4327225"/>
+            <a:ext cx="2571750" cy="723107"/>
+          </a:xfrm>
+          <a:prstGeom prst="rect">
+            <a:avLst/>
+          </a:prstGeom>
+          <a:solidFill>
+            <a:schemeClr val="accent2"/>
+          </a:solidFill>
+        </p:spPr>
+        <p:style>
+          <a:lnRef idx="2">
+            <a:schemeClr val="accent1">
+              <a:shade val="50000"/>
+            </a:schemeClr>
+          </a:lnRef>
+          <a:fillRef idx="1">
+            <a:schemeClr val="accent1"/>
+          </a:fillRef>
+          <a:effectRef idx="0">
+            <a:schemeClr val="accent1"/>
+          </a:effectRef>
+          <a:fontRef idx="minor">
+            <a:schemeClr val="lt1"/>
+          </a:fontRef>
+        </p:style>
+        <p:txBody>
+          <a:bodyPr rtlCol="0" anchor="ctr"/>
+          <a:lstStyle/>
+          <a:p>
+            <a:pPr algn="ctr"/>
+            <a:endParaRPr lang="en-GB" dirty="0"/>
+          </a:p>
+        </p:txBody>
+      </p:sp>
+      <p:sp>
+        <p:nvSpPr>
+          <p:cNvPr id="13" name="TextBox 12">
+            <a:extLst>
+              <a:ext uri="{FF2B5EF4-FFF2-40B4-BE49-F238E27FC236}">
+                <a16:creationId xmlns:a16="http://schemas.microsoft.com/office/drawing/2014/main" id="{1FC41127-89F8-4EA6-888C-D9AFE42CCBFD}"/>
+              </a:ext>
+            </a:extLst>
+          </p:cNvPr>
+          <p:cNvSpPr txBox="1"/>
+          <p:nvPr/>
+        </p:nvSpPr>
+        <p:spPr>
+          <a:xfrm>
+            <a:off x="6842933" y="4459782"/>
+            <a:ext cx="1914525" cy="369332"/>
+          </a:xfrm>
+          <a:prstGeom prst="rect">
+            <a:avLst/>
+          </a:prstGeom>
+          <a:noFill/>
+        </p:spPr>
+        <p:txBody>
+          <a:bodyPr wrap="square" rtlCol="0">
+            <a:spAutoFit/>
+          </a:bodyPr>
+          <a:lstStyle/>
+          <a:p>
+            <a:r>
+              <a:rPr lang="en-GB" dirty="0"/>
+              <a:t>Node 4: empty</a:t>
+            </a:r>
+          </a:p>
+        </p:txBody>
+      </p:sp>
+      <p:sp>
+        <p:nvSpPr>
+          <p:cNvPr id="14" name="Rectangle 13">
+            <a:extLst>
+              <a:ext uri="{FF2B5EF4-FFF2-40B4-BE49-F238E27FC236}">
+                <a16:creationId xmlns:a16="http://schemas.microsoft.com/office/drawing/2014/main" id="{79BF4206-F70D-4058-A255-1516591D07D8}"/>
+              </a:ext>
+            </a:extLst>
+          </p:cNvPr>
+          <p:cNvSpPr/>
+          <p:nvPr/>
+        </p:nvSpPr>
+        <p:spPr>
+          <a:xfrm>
+            <a:off x="6433359" y="5295638"/>
+            <a:ext cx="2571750" cy="723107"/>
+          </a:xfrm>
+          <a:prstGeom prst="rect">
+            <a:avLst/>
+          </a:prstGeom>
+          <a:solidFill>
+            <a:schemeClr val="accent2"/>
+          </a:solidFill>
+        </p:spPr>
+        <p:style>
+          <a:lnRef idx="2">
+            <a:schemeClr val="accent1">
+              <a:shade val="50000"/>
+            </a:schemeClr>
+          </a:lnRef>
+          <a:fillRef idx="1">
+            <a:schemeClr val="accent1"/>
+          </a:fillRef>
+          <a:effectRef idx="0">
+            <a:schemeClr val="accent1"/>
+          </a:effectRef>
+          <a:fontRef idx="minor">
+            <a:schemeClr val="lt1"/>
+          </a:fontRef>
+        </p:style>
+        <p:txBody>
+          <a:bodyPr rtlCol="0" anchor="ctr"/>
+          <a:lstStyle/>
+          <a:p>
+            <a:pPr algn="ctr"/>
+            <a:endParaRPr lang="en-GB" dirty="0"/>
+          </a:p>
+        </p:txBody>
+      </p:sp>
+      <p:sp>
+        <p:nvSpPr>
+          <p:cNvPr id="15" name="TextBox 14">
+            <a:extLst>
+              <a:ext uri="{FF2B5EF4-FFF2-40B4-BE49-F238E27FC236}">
+                <a16:creationId xmlns:a16="http://schemas.microsoft.com/office/drawing/2014/main" id="{1470199E-0785-40EB-9039-527D9637BC28}"/>
+              </a:ext>
+            </a:extLst>
+          </p:cNvPr>
+          <p:cNvSpPr txBox="1"/>
+          <p:nvPr/>
+        </p:nvSpPr>
+        <p:spPr>
+          <a:xfrm>
+            <a:off x="6842933" y="5428195"/>
+            <a:ext cx="1914525" cy="369332"/>
+          </a:xfrm>
+          <a:prstGeom prst="rect">
+            <a:avLst/>
+          </a:prstGeom>
+          <a:noFill/>
+        </p:spPr>
+        <p:txBody>
+          <a:bodyPr wrap="square" rtlCol="0">
+            <a:spAutoFit/>
+          </a:bodyPr>
+          <a:lstStyle/>
+          <a:p>
+            <a:r>
+              <a:rPr lang="en-GB" dirty="0"/>
+              <a:t>Node …..</a:t>
+            </a:r>
+          </a:p>
+        </p:txBody>
+      </p:sp>
+      <p:cxnSp>
+        <p:nvCxnSpPr>
+          <p:cNvPr id="17" name="Straight Arrow Connector 16">
+            <a:extLst>
+              <a:ext uri="{FF2B5EF4-FFF2-40B4-BE49-F238E27FC236}">
+                <a16:creationId xmlns:a16="http://schemas.microsoft.com/office/drawing/2014/main" id="{C88F037A-22C8-4220-A7A3-2C989C3266E6}"/>
+              </a:ext>
+            </a:extLst>
+          </p:cNvPr>
+          <p:cNvCxnSpPr/>
+          <p:nvPr/>
+        </p:nvCxnSpPr>
+        <p:spPr>
+          <a:xfrm flipV="1">
+            <a:off x="3909234" y="1845707"/>
+            <a:ext cx="2266950" cy="625137"/>
+          </a:xfrm>
+          <a:prstGeom prst="straightConnector1">
+            <a:avLst/>
+          </a:prstGeom>
+          <a:ln>
+            <a:tailEnd type="triangle"/>
+          </a:ln>
+        </p:spPr>
+        <p:style>
+          <a:lnRef idx="1">
+            <a:schemeClr val="accent1"/>
+          </a:lnRef>
+          <a:fillRef idx="0">
+            <a:schemeClr val="accent1"/>
+          </a:fillRef>
+          <a:effectRef idx="0">
+            <a:schemeClr val="accent1"/>
+          </a:effectRef>
+          <a:fontRef idx="minor">
+            <a:schemeClr val="tx1"/>
+          </a:fontRef>
+        </p:style>
+      </p:cxnSp>
+      <p:cxnSp>
+        <p:nvCxnSpPr>
+          <p:cNvPr id="19" name="Straight Arrow Connector 18">
+            <a:extLst>
+              <a:ext uri="{FF2B5EF4-FFF2-40B4-BE49-F238E27FC236}">
+                <a16:creationId xmlns:a16="http://schemas.microsoft.com/office/drawing/2014/main" id="{F17AEDF6-36F4-41A7-8FBB-83B4E6E44D1C}"/>
+              </a:ext>
+            </a:extLst>
+          </p:cNvPr>
+          <p:cNvCxnSpPr/>
+          <p:nvPr/>
+        </p:nvCxnSpPr>
+        <p:spPr>
+          <a:xfrm flipV="1">
+            <a:off x="4099734" y="2790825"/>
+            <a:ext cx="2019300" cy="380445"/>
+          </a:xfrm>
+          <a:prstGeom prst="straightConnector1">
+            <a:avLst/>
+          </a:prstGeom>
+          <a:ln>
+            <a:tailEnd type="triangle"/>
+          </a:ln>
+        </p:spPr>
+        <p:style>
+          <a:lnRef idx="1">
+            <a:schemeClr val="accent1"/>
+          </a:lnRef>
+          <a:fillRef idx="0">
+            <a:schemeClr val="accent1"/>
+          </a:fillRef>
+          <a:effectRef idx="0">
+            <a:schemeClr val="accent1"/>
+          </a:effectRef>
+          <a:fontRef idx="minor">
+            <a:schemeClr val="tx1"/>
+          </a:fontRef>
+        </p:style>
+      </p:cxnSp>
+      <p:cxnSp>
+        <p:nvCxnSpPr>
+          <p:cNvPr id="21" name="Straight Arrow Connector 20">
+            <a:extLst>
+              <a:ext uri="{FF2B5EF4-FFF2-40B4-BE49-F238E27FC236}">
+                <a16:creationId xmlns:a16="http://schemas.microsoft.com/office/drawing/2014/main" id="{FCAD187A-F281-4A76-B2DE-2312DE6B7741}"/>
+              </a:ext>
+            </a:extLst>
+          </p:cNvPr>
+          <p:cNvCxnSpPr>
+            <a:cxnSpLocks/>
+            <a:endCxn id="26" idx="1"/>
+          </p:cNvCxnSpPr>
+          <p:nvPr/>
+        </p:nvCxnSpPr>
+        <p:spPr>
+          <a:xfrm flipV="1">
+            <a:off x="4023534" y="3788447"/>
+            <a:ext cx="2028823" cy="12028"/>
+          </a:xfrm>
+          <a:prstGeom prst="straightConnector1">
+            <a:avLst/>
+          </a:prstGeom>
+          <a:ln>
+            <a:tailEnd type="triangle"/>
+          </a:ln>
+        </p:spPr>
+        <p:style>
+          <a:lnRef idx="1">
+            <a:schemeClr val="accent1"/>
+          </a:lnRef>
+          <a:fillRef idx="0">
+            <a:schemeClr val="accent1"/>
+          </a:fillRef>
+          <a:effectRef idx="0">
+            <a:schemeClr val="accent1"/>
+          </a:effectRef>
+          <a:fontRef idx="minor">
+            <a:schemeClr val="tx1"/>
+          </a:fontRef>
+        </p:style>
+      </p:cxnSp>
+      <p:cxnSp>
+        <p:nvCxnSpPr>
+          <p:cNvPr id="23" name="Straight Arrow Connector 22">
+            <a:extLst>
+              <a:ext uri="{FF2B5EF4-FFF2-40B4-BE49-F238E27FC236}">
+                <a16:creationId xmlns:a16="http://schemas.microsoft.com/office/drawing/2014/main" id="{D46161B5-2E86-4BEA-A019-9BAFB105CFF7}"/>
+              </a:ext>
+            </a:extLst>
+          </p:cNvPr>
+          <p:cNvCxnSpPr>
+            <a:cxnSpLocks/>
+            <a:endCxn id="32" idx="1"/>
+          </p:cNvCxnSpPr>
+          <p:nvPr/>
+        </p:nvCxnSpPr>
+        <p:spPr>
+          <a:xfrm>
+            <a:off x="3909234" y="4229100"/>
+            <a:ext cx="1966943" cy="515588"/>
+          </a:xfrm>
+          <a:prstGeom prst="straightConnector1">
+            <a:avLst/>
+          </a:prstGeom>
+          <a:ln>
+            <a:tailEnd type="triangle"/>
+          </a:ln>
+        </p:spPr>
+        <p:style>
+          <a:lnRef idx="1">
+            <a:schemeClr val="accent1"/>
+          </a:lnRef>
+          <a:fillRef idx="0">
+            <a:schemeClr val="accent1"/>
+          </a:fillRef>
+          <a:effectRef idx="0">
+            <a:schemeClr val="accent1"/>
+          </a:effectRef>
+          <a:fontRef idx="minor">
+            <a:schemeClr val="tx1"/>
+          </a:fontRef>
+        </p:style>
+      </p:cxnSp>
+      <p:sp>
+        <p:nvSpPr>
+          <p:cNvPr id="24" name="TextBox 23">
+            <a:extLst>
+              <a:ext uri="{FF2B5EF4-FFF2-40B4-BE49-F238E27FC236}">
+                <a16:creationId xmlns:a16="http://schemas.microsoft.com/office/drawing/2014/main" id="{0846FC01-DE32-45FF-8AEC-76FFF0FF8B65}"/>
+              </a:ext>
+            </a:extLst>
+          </p:cNvPr>
+          <p:cNvSpPr txBox="1"/>
+          <p:nvPr/>
+        </p:nvSpPr>
+        <p:spPr>
+          <a:xfrm>
+            <a:off x="6099984" y="1511944"/>
+            <a:ext cx="666749" cy="646331"/>
+          </a:xfrm>
+          <a:prstGeom prst="rect">
+            <a:avLst/>
+          </a:prstGeom>
+          <a:noFill/>
+        </p:spPr>
+        <p:txBody>
+          <a:bodyPr wrap="square" rtlCol="0">
+            <a:spAutoFit/>
+          </a:bodyPr>
+          <a:lstStyle/>
+          <a:p>
+            <a:r>
+              <a:rPr lang="en-GB" sz="3600" b="1" dirty="0">
                 <a:solidFill>
                   <a:srgbClr val="FF0000"/>
                 </a:solidFill>
-                <a:highlight>
-                  <a:srgbClr val="FFFF00"/>
-                </a:highlight>
-              </a:rPr>
-              <a:t>ACTIVITY</a:t>
-            </a:r>
-            <a:endParaRPr lang="en-GB" sz="2800" dirty="0">
-              <a:solidFill>
-                <a:srgbClr val="FF0000"/>
-              </a:solidFill>
-              <a:highlight>
-                <a:srgbClr val="FFFF00"/>
-              </a:highlight>
-            </a:endParaRPr>
+              </a:rPr>
+              <a:t>X</a:t>
+            </a:r>
+          </a:p>
+        </p:txBody>
+      </p:sp>
+      <p:sp>
+        <p:nvSpPr>
+          <p:cNvPr id="25" name="TextBox 24">
+            <a:extLst>
+              <a:ext uri="{FF2B5EF4-FFF2-40B4-BE49-F238E27FC236}">
+                <a16:creationId xmlns:a16="http://schemas.microsoft.com/office/drawing/2014/main" id="{F87DB2F2-53BC-481B-9ED2-6D50B91C1433}"/>
+              </a:ext>
+            </a:extLst>
+          </p:cNvPr>
+          <p:cNvSpPr txBox="1"/>
+          <p:nvPr/>
+        </p:nvSpPr>
+        <p:spPr>
+          <a:xfrm>
+            <a:off x="6090458" y="2423223"/>
+            <a:ext cx="666749" cy="646331"/>
+          </a:xfrm>
+          <a:prstGeom prst="rect">
+            <a:avLst/>
+          </a:prstGeom>
+          <a:noFill/>
+        </p:spPr>
+        <p:txBody>
+          <a:bodyPr wrap="square" rtlCol="0">
+            <a:spAutoFit/>
+          </a:bodyPr>
+          <a:lstStyle/>
+          <a:p>
+            <a:r>
+              <a:rPr lang="en-GB" sz="3600" b="1" dirty="0">
+                <a:solidFill>
+                  <a:srgbClr val="FF0000"/>
+                </a:solidFill>
+              </a:rPr>
+              <a:t>X</a:t>
+            </a:r>
+          </a:p>
+        </p:txBody>
+      </p:sp>
+      <p:sp>
+        <p:nvSpPr>
+          <p:cNvPr id="26" name="TextBox 25">
+            <a:extLst>
+              <a:ext uri="{FF2B5EF4-FFF2-40B4-BE49-F238E27FC236}">
+                <a16:creationId xmlns:a16="http://schemas.microsoft.com/office/drawing/2014/main" id="{B69A83DB-B2F6-407B-9578-AD5ADAB32854}"/>
+              </a:ext>
+            </a:extLst>
+          </p:cNvPr>
+          <p:cNvSpPr txBox="1"/>
+          <p:nvPr/>
+        </p:nvSpPr>
+        <p:spPr>
+          <a:xfrm>
+            <a:off x="6052357" y="3465281"/>
+            <a:ext cx="666749" cy="646331"/>
+          </a:xfrm>
+          <a:prstGeom prst="rect">
+            <a:avLst/>
+          </a:prstGeom>
+          <a:noFill/>
+        </p:spPr>
+        <p:txBody>
+          <a:bodyPr wrap="square" rtlCol="0">
+            <a:spAutoFit/>
+          </a:bodyPr>
+          <a:lstStyle/>
+          <a:p>
+            <a:r>
+              <a:rPr lang="en-GB" sz="3600" b="1" dirty="0">
+                <a:solidFill>
+                  <a:srgbClr val="FF0000"/>
+                </a:solidFill>
+              </a:rPr>
+              <a:t>X</a:t>
+            </a:r>
+          </a:p>
+        </p:txBody>
+      </p:sp>
+      <p:pic>
+        <p:nvPicPr>
+          <p:cNvPr id="32" name="Graphic 31" descr="Checkmark">
+            <a:extLst>
+              <a:ext uri="{FF2B5EF4-FFF2-40B4-BE49-F238E27FC236}">
+                <a16:creationId xmlns:a16="http://schemas.microsoft.com/office/drawing/2014/main" id="{B8966F61-C227-4EE1-8939-802B260223FB}"/>
+              </a:ext>
+            </a:extLst>
+          </p:cNvPr>
+          <p:cNvPicPr>
+            <a:picLocks noChangeAspect="1"/>
+          </p:cNvPicPr>
+          <p:nvPr/>
+        </p:nvPicPr>
+        <p:blipFill>
+          <a:blip r:embed="rId2">
+            <a:extLst>
+              <a:ext uri="{28A0092B-C50C-407E-A947-70E740481C1C}">
+                <a14:useLocalDpi xmlns:a14="http://schemas.microsoft.com/office/drawing/2010/main" val="0"/>
+              </a:ext>
+              <a:ext uri="{96DAC541-7B7A-43D3-8B79-37D633B846F1}">
+                <asvg:svgBlip xmlns:asvg="http://schemas.microsoft.com/office/drawing/2016/SVG/main" r:embed="rId3"/>
+              </a:ext>
+            </a:extLst>
+          </a:blip>
+          <a:stretch>
+            <a:fillRect/>
+          </a:stretch>
+        </p:blipFill>
+        <p:spPr>
+          <a:xfrm>
+            <a:off x="5876177" y="4444681"/>
+            <a:ext cx="600014" cy="600014"/>
+          </a:xfrm>
+          <a:prstGeom prst="rect">
+            <a:avLst/>
+          </a:prstGeom>
+        </p:spPr>
+      </p:pic>
+      <p:sp>
+        <p:nvSpPr>
+          <p:cNvPr id="33" name="Rectangle 32">
+            <a:extLst>
+              <a:ext uri="{FF2B5EF4-FFF2-40B4-BE49-F238E27FC236}">
+                <a16:creationId xmlns:a16="http://schemas.microsoft.com/office/drawing/2014/main" id="{F0ECDECA-CD02-4663-A0E4-EA800690787E}"/>
+              </a:ext>
+            </a:extLst>
+          </p:cNvPr>
+          <p:cNvSpPr/>
+          <p:nvPr/>
+        </p:nvSpPr>
+        <p:spPr>
+          <a:xfrm>
+            <a:off x="-9526" y="6151302"/>
+            <a:ext cx="12192000" cy="646331"/>
+          </a:xfrm>
+          <a:prstGeom prst="rect">
+            <a:avLst/>
+          </a:prstGeom>
+        </p:spPr>
+        <p:txBody>
+          <a:bodyPr wrap="square">
+            <a:spAutoFit/>
+          </a:bodyPr>
+          <a:lstStyle/>
+          <a:p>
+            <a:r>
+              <a:rPr lang="en-GB" dirty="0" err="1"/>
+              <a:t>qsub</a:t>
+            </a:r>
+            <a:r>
+              <a:rPr lang="en-GB" dirty="0"/>
+              <a:t> will run jobs depending on the load: Waiting jobs = </a:t>
+            </a:r>
+            <a:r>
+              <a:rPr lang="en-GB" dirty="0" err="1">
+                <a:solidFill>
+                  <a:srgbClr val="FF0000"/>
+                </a:solidFill>
+              </a:rPr>
+              <a:t>qw</a:t>
+            </a:r>
+            <a:r>
+              <a:rPr lang="en-GB" dirty="0"/>
+              <a:t>   jobs in error state = </a:t>
+            </a:r>
+            <a:r>
+              <a:rPr lang="en-GB" dirty="0" err="1">
+                <a:solidFill>
+                  <a:srgbClr val="FF0000"/>
+                </a:solidFill>
+              </a:rPr>
+              <a:t>Eqw</a:t>
+            </a:r>
+            <a:r>
+              <a:rPr lang="en-GB" dirty="0">
+                <a:solidFill>
+                  <a:srgbClr val="FF0000"/>
+                </a:solidFill>
+              </a:rPr>
+              <a:t>    </a:t>
+            </a:r>
+            <a:r>
+              <a:rPr lang="en-GB" dirty="0"/>
+              <a:t> dead jobs = </a:t>
+            </a:r>
+            <a:r>
+              <a:rPr lang="en-GB" dirty="0">
+                <a:solidFill>
+                  <a:srgbClr val="FF0000"/>
+                </a:solidFill>
+              </a:rPr>
+              <a:t>d   (these error will make sense in a few slides time)</a:t>
+            </a:r>
+          </a:p>
+        </p:txBody>
+      </p:sp>
+      <p:sp>
+        <p:nvSpPr>
+          <p:cNvPr id="35" name="TextBox 34">
+            <a:extLst>
+              <a:ext uri="{FF2B5EF4-FFF2-40B4-BE49-F238E27FC236}">
+                <a16:creationId xmlns:a16="http://schemas.microsoft.com/office/drawing/2014/main" id="{6AE9A721-A0CF-4189-BC5E-B0998F7DC701}"/>
+              </a:ext>
+            </a:extLst>
+          </p:cNvPr>
+          <p:cNvSpPr txBox="1"/>
+          <p:nvPr/>
+        </p:nvSpPr>
+        <p:spPr>
+          <a:xfrm>
+            <a:off x="9186084" y="4444681"/>
+            <a:ext cx="1990725" cy="369332"/>
+          </a:xfrm>
+          <a:prstGeom prst="rect">
+            <a:avLst/>
+          </a:prstGeom>
+          <a:noFill/>
+        </p:spPr>
+        <p:txBody>
+          <a:bodyPr wrap="square" rtlCol="0">
+            <a:spAutoFit/>
+          </a:bodyPr>
+          <a:lstStyle/>
+          <a:p>
+            <a:r>
+              <a:rPr lang="en-GB" dirty="0"/>
+              <a:t>… job runs on here</a:t>
+            </a:r>
           </a:p>
         </p:txBody>
       </p:sp>
     </p:spTree>
     <p:extLst>
       <p:ext uri="{BB962C8B-B14F-4D97-AF65-F5344CB8AC3E}">
-        <p14:creationId xmlns:p14="http://schemas.microsoft.com/office/powerpoint/2010/main" val="957540980"/>
+        <p14:creationId xmlns:p14="http://schemas.microsoft.com/office/powerpoint/2010/main" val="1790582175"/>
       </p:ext>
     </p:extLst>
   </p:cSld>
@@ -5172,7 +4935,7 @@
           <p:cNvPr id="2" name="Title 1">
             <a:extLst>
               <a:ext uri="{FF2B5EF4-FFF2-40B4-BE49-F238E27FC236}">
-                <a16:creationId xmlns:a16="http://schemas.microsoft.com/office/drawing/2014/main" id="{5ECE6CC0-E480-4C0D-BAC9-27356C5EBB65}"/>
+                <a16:creationId xmlns:a16="http://schemas.microsoft.com/office/drawing/2014/main" id="{F08C7102-A670-4959-9B22-1073D9E41E09}"/>
               </a:ext>
             </a:extLst>
           </p:cNvPr>
@@ -5185,14 +4948,15 @@
         </p:nvSpPr>
         <p:spPr>
           <a:xfrm>
-            <a:off x="270328" y="-225653"/>
-            <a:ext cx="11921672" cy="1325563"/>
+            <a:off x="0" y="18255"/>
+            <a:ext cx="11353800" cy="1325563"/>
           </a:xfrm>
         </p:spPr>
         <p:txBody>
           <a:bodyPr/>
           <a:lstStyle/>
           <a:p>
+            <a:pPr algn="ctr"/>
             <a:r>
               <a:rPr lang="en-GB" dirty="0">
                 <a:solidFill>
@@ -5215,15 +4979,23 @@
                   <a:srgbClr val="7030A0"/>
                 </a:solidFill>
               </a:rPr>
-              <a:t>: Special commands at the top of shell </a:t>
+              <a:t>: </a:t>
+            </a:r>
+            <a:r>
+              <a:rPr lang="en-GB" dirty="0" err="1">
+                <a:solidFill>
+                  <a:srgbClr val="0070C0"/>
+                </a:solidFill>
+              </a:rPr>
+              <a:t>qsub</a:t>
             </a:r>
             <a:r>
               <a:rPr lang="en-GB" dirty="0">
                 <a:solidFill>
-                  <a:srgbClr val="FF0000"/>
-                </a:solidFill>
-              </a:rPr>
-              <a:t>#$</a:t>
+                  <a:srgbClr val="7030A0"/>
+                </a:solidFill>
+              </a:rPr>
+              <a:t> multi cores</a:t>
             </a:r>
           </a:p>
         </p:txBody>
@@ -5233,7 +5005,7 @@
           <p:cNvPr id="3" name="Content Placeholder 2">
             <a:extLst>
               <a:ext uri="{FF2B5EF4-FFF2-40B4-BE49-F238E27FC236}">
-                <a16:creationId xmlns:a16="http://schemas.microsoft.com/office/drawing/2014/main" id="{68885CB6-69C8-4A00-92C9-613302A9AE68}"/>
+                <a16:creationId xmlns:a16="http://schemas.microsoft.com/office/drawing/2014/main" id="{2015C571-0C43-419D-858F-E0C92AACE419}"/>
               </a:ext>
             </a:extLst>
           </p:cNvPr>
@@ -5246,155 +5018,314 @@
         </p:nvSpPr>
         <p:spPr>
           <a:xfrm>
-            <a:off x="54428" y="1099910"/>
-            <a:ext cx="11921672" cy="5465990"/>
+            <a:off x="431800" y="1343818"/>
+            <a:ext cx="11315700" cy="5222082"/>
           </a:xfrm>
         </p:spPr>
         <p:txBody>
           <a:bodyPr>
-            <a:normAutofit/>
+            <a:normAutofit lnSpcReduction="10000"/>
           </a:bodyPr>
           <a:lstStyle/>
           <a:p>
-            <a:r>
-              <a:rPr lang="en-GB" dirty="0">
-                <a:solidFill>
-                  <a:srgbClr val="0070C0"/>
-                </a:solidFill>
-              </a:rPr>
-              <a:t>#!/bin/bash</a:t>
-            </a:r>
-          </a:p>
-          <a:p>
-            <a:r>
-              <a:rPr lang="en-GB" dirty="0">
-                <a:solidFill>
-                  <a:srgbClr val="0070C0"/>
-                </a:solidFill>
-              </a:rPr>
-              <a:t>#$ -V                                                </a:t>
-            </a:r>
-            <a:r>
-              <a:rPr lang="en-GB" dirty="0"/>
-              <a:t># pass all environment variables to the job</a:t>
-            </a:r>
-          </a:p>
-          <a:p>
-            <a:r>
-              <a:rPr lang="en-GB" dirty="0">
-                <a:solidFill>
-                  <a:srgbClr val="0070C0"/>
-                </a:solidFill>
-              </a:rPr>
-              <a:t>#$ -N Mapping                               </a:t>
-            </a:r>
-            <a:r>
-              <a:rPr lang="en-GB" dirty="0"/>
-              <a:t># job name</a:t>
-            </a:r>
-          </a:p>
-          <a:p>
-            <a:r>
-              <a:rPr lang="en-GB" dirty="0">
-                <a:solidFill>
-                  <a:srgbClr val="0070C0"/>
-                </a:solidFill>
-              </a:rPr>
-              <a:t>#$ -</a:t>
-            </a:r>
-            <a:r>
-              <a:rPr lang="en-GB" dirty="0" err="1">
-                <a:solidFill>
-                  <a:srgbClr val="0070C0"/>
-                </a:solidFill>
-              </a:rPr>
-              <a:t>cwd</a:t>
-            </a:r>
-            <a:r>
-              <a:rPr lang="en-GB" dirty="0">
-                <a:solidFill>
-                  <a:srgbClr val="0070C0"/>
-                </a:solidFill>
-              </a:rPr>
-              <a:t>                                           </a:t>
-            </a:r>
-            <a:r>
-              <a:rPr lang="en-GB" dirty="0"/>
-              <a:t># Execute from the current working directory</a:t>
-            </a:r>
-          </a:p>
-          <a:p>
-            <a:r>
-              <a:rPr lang="en-GB" dirty="0">
-                <a:solidFill>
-                  <a:srgbClr val="0070C0"/>
-                </a:solidFill>
-              </a:rPr>
-              <a:t>#$ -pe multi 4                              </a:t>
-            </a:r>
-            <a:r>
-              <a:rPr lang="en-GB" dirty="0"/>
-              <a:t># how many core (4)</a:t>
-            </a:r>
+            <a:pPr marL="0" indent="0">
+              <a:buNone/>
+            </a:pPr>
             <a:endParaRPr lang="en-GB" dirty="0">
               <a:solidFill>
-                <a:srgbClr val="0070C0"/>
+                <a:schemeClr val="accent1"/>
               </a:solidFill>
             </a:endParaRPr>
           </a:p>
-        </p:txBody>
-      </p:sp>
-      <p:sp>
-        <p:nvSpPr>
-          <p:cNvPr id="4" name="Rectangle 3">
-            <a:extLst>
-              <a:ext uri="{FF2B5EF4-FFF2-40B4-BE49-F238E27FC236}">
-                <a16:creationId xmlns:a16="http://schemas.microsoft.com/office/drawing/2014/main" id="{6E00244C-A097-44C5-B163-92770AF4C237}"/>
-              </a:ext>
-            </a:extLst>
-          </p:cNvPr>
-          <p:cNvSpPr/>
+          <a:p>
+            <a:pPr marL="0" indent="0">
+              <a:buNone/>
+            </a:pPr>
+            <a:r>
+              <a:rPr lang="en-GB" dirty="0"/>
+              <a:t>To ask for multicore job, e.g. </a:t>
+            </a:r>
+            <a:r>
+              <a:rPr lang="en-GB" u="sng" dirty="0"/>
+              <a:t>4</a:t>
+            </a:r>
+            <a:r>
+              <a:rPr lang="en-GB" dirty="0"/>
+              <a:t> cores:</a:t>
+            </a:r>
+          </a:p>
+          <a:p>
+            <a:pPr marL="0" indent="0">
+              <a:buNone/>
+            </a:pPr>
+            <a:r>
+              <a:rPr lang="en-GB" dirty="0">
+                <a:solidFill>
+                  <a:schemeClr val="accent1"/>
+                </a:solidFill>
+              </a:rPr>
+              <a:t>         </a:t>
+            </a:r>
+            <a:r>
+              <a:rPr lang="en-GB" dirty="0" err="1">
+                <a:solidFill>
+                  <a:schemeClr val="accent1"/>
+                </a:solidFill>
+              </a:rPr>
+              <a:t>qsub</a:t>
+            </a:r>
+            <a:r>
+              <a:rPr lang="en-GB" dirty="0">
+                <a:solidFill>
+                  <a:schemeClr val="accent1"/>
+                </a:solidFill>
+              </a:rPr>
+              <a:t> -V -pe multi </a:t>
+            </a:r>
+            <a:r>
+              <a:rPr lang="en-GB" u="sng" dirty="0">
+                <a:solidFill>
+                  <a:schemeClr val="accent1"/>
+                </a:solidFill>
+              </a:rPr>
+              <a:t>4</a:t>
+            </a:r>
+            <a:r>
+              <a:rPr lang="en-GB" dirty="0">
+                <a:solidFill>
+                  <a:schemeClr val="accent1"/>
+                </a:solidFill>
+              </a:rPr>
+              <a:t> script.sh</a:t>
+            </a:r>
+          </a:p>
+          <a:p>
+            <a:pPr marL="0" indent="0">
+              <a:buNone/>
+            </a:pPr>
+            <a:endParaRPr lang="en-GB" dirty="0"/>
+          </a:p>
+          <a:p>
+            <a:pPr marL="0" indent="0">
+              <a:buNone/>
+            </a:pPr>
+            <a:r>
+              <a:rPr lang="en-GB" dirty="0"/>
+              <a:t>To see the available queues for the cluster type </a:t>
+            </a:r>
+            <a:r>
+              <a:rPr lang="en-GB" dirty="0">
+                <a:solidFill>
+                  <a:srgbClr val="0070C0"/>
+                </a:solidFill>
+              </a:rPr>
+              <a:t>seeq.pl</a:t>
+            </a:r>
+          </a:p>
+          <a:p>
+            <a:pPr marL="0" indent="0">
+              <a:buNone/>
+            </a:pPr>
+            <a:endParaRPr lang="en-GB" dirty="0"/>
+          </a:p>
+          <a:p>
+            <a:pPr marL="0" indent="0">
+              <a:buNone/>
+            </a:pPr>
+            <a:r>
+              <a:rPr lang="en-GB" dirty="0"/>
+              <a:t>High memory q</a:t>
+            </a:r>
+          </a:p>
+          <a:p>
+            <a:pPr marL="0" indent="0">
+              <a:buNone/>
+            </a:pPr>
+            <a:r>
+              <a:rPr lang="en-GB" dirty="0">
+                <a:solidFill>
+                  <a:schemeClr val="accent1"/>
+                </a:solidFill>
+              </a:rPr>
+              <a:t>         </a:t>
+            </a:r>
+            <a:r>
+              <a:rPr lang="en-GB" dirty="0" err="1">
+                <a:solidFill>
+                  <a:schemeClr val="accent1"/>
+                </a:solidFill>
+              </a:rPr>
+              <a:t>qsub</a:t>
+            </a:r>
+            <a:r>
+              <a:rPr lang="en-GB" dirty="0">
+                <a:solidFill>
+                  <a:schemeClr val="accent1"/>
+                </a:solidFill>
+              </a:rPr>
+              <a:t> -q </a:t>
+            </a:r>
+            <a:r>
+              <a:rPr lang="en-GB" dirty="0" err="1">
+                <a:solidFill>
+                  <a:schemeClr val="accent1"/>
+                </a:solidFill>
+              </a:rPr>
+              <a:t>highmemory.q</a:t>
+            </a:r>
+            <a:r>
+              <a:rPr lang="en-GB" dirty="0">
+                <a:solidFill>
+                  <a:schemeClr val="accent1"/>
+                </a:solidFill>
+              </a:rPr>
+              <a:t> -V -</a:t>
+            </a:r>
+            <a:r>
+              <a:rPr lang="en-GB" dirty="0" err="1">
+                <a:solidFill>
+                  <a:schemeClr val="accent1"/>
+                </a:solidFill>
+              </a:rPr>
+              <a:t>pe</a:t>
+            </a:r>
+            <a:r>
+              <a:rPr lang="en-GB" dirty="0">
+                <a:solidFill>
+                  <a:schemeClr val="accent1"/>
+                </a:solidFill>
+              </a:rPr>
+              <a:t> multi </a:t>
+            </a:r>
+            <a:r>
+              <a:rPr lang="en-GB" u="sng" dirty="0">
+                <a:solidFill>
+                  <a:schemeClr val="accent1"/>
+                </a:solidFill>
+              </a:rPr>
+              <a:t>4</a:t>
+            </a:r>
+            <a:r>
+              <a:rPr lang="en-GB" dirty="0">
+                <a:solidFill>
+                  <a:schemeClr val="accent1"/>
+                </a:solidFill>
+              </a:rPr>
+              <a:t> script.sh</a:t>
+            </a:r>
+            <a:endParaRPr lang="en-GB" dirty="0"/>
+          </a:p>
+          <a:p>
+            <a:pPr marL="0" indent="0">
+              <a:buNone/>
+            </a:pPr>
+            <a:endParaRPr lang="en-GB" dirty="0">
+              <a:solidFill>
+                <a:schemeClr val="accent1"/>
+              </a:solidFill>
+            </a:endParaRPr>
+          </a:p>
+          <a:p>
+            <a:pPr marL="0" indent="0">
+              <a:buNone/>
+            </a:pPr>
+            <a:r>
+              <a:rPr lang="en-GB" dirty="0"/>
+              <a:t>Is it running? – type:</a:t>
+            </a:r>
+          </a:p>
+          <a:p>
+            <a:pPr marL="0" indent="0">
+              <a:buNone/>
+            </a:pPr>
+            <a:r>
+              <a:rPr lang="en-GB" dirty="0">
+                <a:solidFill>
+                  <a:schemeClr val="accent1"/>
+                </a:solidFill>
+              </a:rPr>
+              <a:t>        </a:t>
+            </a:r>
+            <a:r>
+              <a:rPr lang="en-GB" dirty="0" err="1">
+                <a:solidFill>
+                  <a:schemeClr val="accent1"/>
+                </a:solidFill>
+              </a:rPr>
+              <a:t>qstat</a:t>
+            </a:r>
+            <a:endParaRPr lang="en-GB" dirty="0">
+              <a:solidFill>
+                <a:schemeClr val="accent1"/>
+              </a:solidFill>
+            </a:endParaRPr>
+          </a:p>
+          <a:p>
+            <a:pPr marL="0" indent="0">
+              <a:buNone/>
+            </a:pPr>
+            <a:endParaRPr lang="en-GB" dirty="0">
+              <a:solidFill>
+                <a:schemeClr val="accent1"/>
+              </a:solidFill>
+            </a:endParaRPr>
+          </a:p>
+        </p:txBody>
+      </p:sp>
+      <p:sp>
+        <p:nvSpPr>
+          <p:cNvPr id="4" name="TextBox 3">
+            <a:extLst>
+              <a:ext uri="{FF2B5EF4-FFF2-40B4-BE49-F238E27FC236}">
+                <a16:creationId xmlns:a16="http://schemas.microsoft.com/office/drawing/2014/main" id="{F05E03B3-C923-447F-A5AA-B0DB3C2CB895}"/>
+              </a:ext>
+            </a:extLst>
+          </p:cNvPr>
+          <p:cNvSpPr txBox="1"/>
           <p:nvPr/>
         </p:nvSpPr>
         <p:spPr>
           <a:xfrm>
-            <a:off x="0" y="3674310"/>
-            <a:ext cx="9013372" cy="520700"/>
+            <a:off x="10350500" y="0"/>
+            <a:ext cx="1841500" cy="584775"/>
           </a:xfrm>
           <a:prstGeom prst="rect">
             <a:avLst/>
           </a:prstGeom>
           <a:noFill/>
         </p:spPr>
-        <p:style>
-          <a:lnRef idx="2">
-            <a:schemeClr val="accent1">
-              <a:shade val="50000"/>
-            </a:schemeClr>
-          </a:lnRef>
-          <a:fillRef idx="1">
-            <a:schemeClr val="accent1"/>
-          </a:fillRef>
-          <a:effectRef idx="0">
-            <a:schemeClr val="accent1"/>
-          </a:effectRef>
-          <a:fontRef idx="minor">
-            <a:schemeClr val="lt1"/>
-          </a:fontRef>
-        </p:style>
-        <p:txBody>
-          <a:bodyPr rtlCol="0" anchor="ctr"/>
-          <a:lstStyle/>
-          <a:p>
-            <a:pPr algn="ctr"/>
-            <a:endParaRPr lang="en-GB" dirty="0"/>
+        <p:txBody>
+          <a:bodyPr wrap="square" rtlCol="0">
+            <a:spAutoFit/>
+          </a:bodyPr>
+          <a:lstStyle/>
+          <a:p>
+            <a:r>
+              <a:rPr lang="en-GB" sz="3200" dirty="0">
+                <a:solidFill>
+                  <a:srgbClr val="FF0000"/>
+                </a:solidFill>
+                <a:highlight>
+                  <a:srgbClr val="FFFF00"/>
+                </a:highlight>
+              </a:rPr>
+              <a:t>ACTIVITY</a:t>
+            </a:r>
+            <a:endParaRPr lang="en-GB" sz="2800" dirty="0">
+              <a:solidFill>
+                <a:srgbClr val="FF0000"/>
+              </a:solidFill>
+              <a:highlight>
+                <a:srgbClr val="FFFF00"/>
+              </a:highlight>
+            </a:endParaRPr>
           </a:p>
         </p:txBody>
       </p:sp>
     </p:spTree>
     <p:extLst>
       <p:ext uri="{BB962C8B-B14F-4D97-AF65-F5344CB8AC3E}">
-        <p14:creationId xmlns:p14="http://schemas.microsoft.com/office/powerpoint/2010/main" val="3141642758"/>
+        <p14:creationId xmlns:p14="http://schemas.microsoft.com/office/powerpoint/2010/main" val="957540980"/>
       </p:ext>
     </p:extLst>
   </p:cSld>
@@ -5426,6 +5357,260 @@
           <p:cNvPr id="2" name="Title 1">
             <a:extLst>
               <a:ext uri="{FF2B5EF4-FFF2-40B4-BE49-F238E27FC236}">
+                <a16:creationId xmlns:a16="http://schemas.microsoft.com/office/drawing/2014/main" id="{5ECE6CC0-E480-4C0D-BAC9-27356C5EBB65}"/>
+              </a:ext>
+            </a:extLst>
+          </p:cNvPr>
+          <p:cNvSpPr>
+            <a:spLocks noGrp="1"/>
+          </p:cNvSpPr>
+          <p:nvPr>
+            <p:ph type="title"/>
+          </p:nvPr>
+        </p:nvSpPr>
+        <p:spPr>
+          <a:xfrm>
+            <a:off x="270328" y="-225653"/>
+            <a:ext cx="11921672" cy="1325563"/>
+          </a:xfrm>
+        </p:spPr>
+        <p:txBody>
+          <a:bodyPr/>
+          <a:lstStyle/>
+          <a:p>
+            <a:r>
+              <a:rPr lang="en-GB" dirty="0">
+                <a:solidFill>
+                  <a:srgbClr val="7030A0"/>
+                </a:solidFill>
+              </a:rPr>
+              <a:t>5) </a:t>
+            </a:r>
+            <a:r>
+              <a:rPr lang="en-GB" dirty="0" err="1">
+                <a:solidFill>
+                  <a:srgbClr val="7030A0"/>
+                </a:solidFill>
+              </a:rPr>
+              <a:t>qsub</a:t>
+            </a:r>
+            <a:r>
+              <a:rPr lang="en-GB" dirty="0">
+                <a:solidFill>
+                  <a:srgbClr val="7030A0"/>
+                </a:solidFill>
+              </a:rPr>
+              <a:t>: Special commands at the top of shell </a:t>
+            </a:r>
+            <a:r>
+              <a:rPr lang="en-GB" dirty="0">
+                <a:solidFill>
+                  <a:srgbClr val="FF0000"/>
+                </a:solidFill>
+              </a:rPr>
+              <a:t>#$</a:t>
+            </a:r>
+          </a:p>
+        </p:txBody>
+      </p:sp>
+      <p:sp>
+        <p:nvSpPr>
+          <p:cNvPr id="3" name="Content Placeholder 2">
+            <a:extLst>
+              <a:ext uri="{FF2B5EF4-FFF2-40B4-BE49-F238E27FC236}">
+                <a16:creationId xmlns:a16="http://schemas.microsoft.com/office/drawing/2014/main" id="{68885CB6-69C8-4A00-92C9-613302A9AE68}"/>
+              </a:ext>
+            </a:extLst>
+          </p:cNvPr>
+          <p:cNvSpPr>
+            <a:spLocks noGrp="1"/>
+          </p:cNvSpPr>
+          <p:nvPr>
+            <p:ph idx="1"/>
+          </p:nvPr>
+        </p:nvSpPr>
+        <p:spPr>
+          <a:xfrm>
+            <a:off x="54428" y="1099910"/>
+            <a:ext cx="11921672" cy="5465990"/>
+          </a:xfrm>
+        </p:spPr>
+        <p:txBody>
+          <a:bodyPr>
+            <a:normAutofit/>
+          </a:bodyPr>
+          <a:lstStyle/>
+          <a:p>
+            <a:r>
+              <a:rPr lang="en-GB" dirty="0">
+                <a:solidFill>
+                  <a:srgbClr val="0070C0"/>
+                </a:solidFill>
+              </a:rPr>
+              <a:t>#!/bin/bash</a:t>
+            </a:r>
+          </a:p>
+          <a:p>
+            <a:r>
+              <a:rPr lang="en-GB" dirty="0">
+                <a:solidFill>
+                  <a:srgbClr val="0070C0"/>
+                </a:solidFill>
+              </a:rPr>
+              <a:t>#$ -V                                                </a:t>
+            </a:r>
+            <a:r>
+              <a:rPr lang="en-GB" dirty="0"/>
+              <a:t># pass all environment variables to the job</a:t>
+            </a:r>
+          </a:p>
+          <a:p>
+            <a:r>
+              <a:rPr lang="en-GB" dirty="0">
+                <a:solidFill>
+                  <a:srgbClr val="0070C0"/>
+                </a:solidFill>
+              </a:rPr>
+              <a:t>#$ -N Mapping                               </a:t>
+            </a:r>
+            <a:r>
+              <a:rPr lang="en-GB" dirty="0"/>
+              <a:t># job name</a:t>
+            </a:r>
+          </a:p>
+          <a:p>
+            <a:r>
+              <a:rPr lang="en-GB" dirty="0">
+                <a:solidFill>
+                  <a:srgbClr val="0070C0"/>
+                </a:solidFill>
+              </a:rPr>
+              <a:t>#$ -</a:t>
+            </a:r>
+            <a:r>
+              <a:rPr lang="en-GB" dirty="0" err="1">
+                <a:solidFill>
+                  <a:srgbClr val="0070C0"/>
+                </a:solidFill>
+              </a:rPr>
+              <a:t>cwd</a:t>
+            </a:r>
+            <a:r>
+              <a:rPr lang="en-GB" dirty="0">
+                <a:solidFill>
+                  <a:srgbClr val="0070C0"/>
+                </a:solidFill>
+              </a:rPr>
+              <a:t>                                           </a:t>
+            </a:r>
+            <a:r>
+              <a:rPr lang="en-GB" dirty="0"/>
+              <a:t># Execute from the current working directory</a:t>
+            </a:r>
+          </a:p>
+          <a:p>
+            <a:r>
+              <a:rPr lang="en-GB" dirty="0">
+                <a:solidFill>
+                  <a:srgbClr val="0070C0"/>
+                </a:solidFill>
+              </a:rPr>
+              <a:t>#$ -pe multi 4                              </a:t>
+            </a:r>
+            <a:r>
+              <a:rPr lang="en-GB" dirty="0"/>
+              <a:t># how many core (4)</a:t>
+            </a:r>
+            <a:endParaRPr lang="en-GB" dirty="0">
+              <a:solidFill>
+                <a:srgbClr val="0070C0"/>
+              </a:solidFill>
+            </a:endParaRPr>
+          </a:p>
+        </p:txBody>
+      </p:sp>
+      <p:sp>
+        <p:nvSpPr>
+          <p:cNvPr id="4" name="Rectangle 3">
+            <a:extLst>
+              <a:ext uri="{FF2B5EF4-FFF2-40B4-BE49-F238E27FC236}">
+                <a16:creationId xmlns:a16="http://schemas.microsoft.com/office/drawing/2014/main" id="{6E00244C-A097-44C5-B163-92770AF4C237}"/>
+              </a:ext>
+            </a:extLst>
+          </p:cNvPr>
+          <p:cNvSpPr/>
+          <p:nvPr/>
+        </p:nvSpPr>
+        <p:spPr>
+          <a:xfrm>
+            <a:off x="0" y="3674310"/>
+            <a:ext cx="9013372" cy="520700"/>
+          </a:xfrm>
+          <a:prstGeom prst="rect">
+            <a:avLst/>
+          </a:prstGeom>
+          <a:noFill/>
+        </p:spPr>
+        <p:style>
+          <a:lnRef idx="2">
+            <a:schemeClr val="accent1">
+              <a:shade val="50000"/>
+            </a:schemeClr>
+          </a:lnRef>
+          <a:fillRef idx="1">
+            <a:schemeClr val="accent1"/>
+          </a:fillRef>
+          <a:effectRef idx="0">
+            <a:schemeClr val="accent1"/>
+          </a:effectRef>
+          <a:fontRef idx="minor">
+            <a:schemeClr val="lt1"/>
+          </a:fontRef>
+        </p:style>
+        <p:txBody>
+          <a:bodyPr rtlCol="0" anchor="ctr"/>
+          <a:lstStyle/>
+          <a:p>
+            <a:pPr algn="ctr"/>
+            <a:endParaRPr lang="en-GB" dirty="0"/>
+          </a:p>
+        </p:txBody>
+      </p:sp>
+    </p:spTree>
+    <p:extLst>
+      <p:ext uri="{BB962C8B-B14F-4D97-AF65-F5344CB8AC3E}">
+        <p14:creationId xmlns:p14="http://schemas.microsoft.com/office/powerpoint/2010/main" val="3141642758"/>
+      </p:ext>
+    </p:extLst>
+  </p:cSld>
+  <p:clrMapOvr>
+    <a:masterClrMapping/>
+  </p:clrMapOvr>
+</p:sld>
+</file>
+
+<file path=ppt/slides/slide7.xml><?xml version="1.0" encoding="utf-8"?>
+<p:sld xmlns:a="http://schemas.openxmlformats.org/drawingml/2006/main" xmlns:r="http://schemas.openxmlformats.org/officeDocument/2006/relationships" xmlns:p="http://schemas.openxmlformats.org/presentationml/2006/main">
+  <p:cSld>
+    <p:spTree>
+      <p:nvGrpSpPr>
+        <p:cNvPr id="1" name=""/>
+        <p:cNvGrpSpPr/>
+        <p:nvPr/>
+      </p:nvGrpSpPr>
+      <p:grpSpPr>
+        <a:xfrm>
+          <a:off x="0" y="0"/>
+          <a:ext cx="0" cy="0"/>
+          <a:chOff x="0" y="0"/>
+          <a:chExt cx="0" cy="0"/>
+        </a:xfrm>
+      </p:grpSpPr>
+      <p:sp>
+        <p:nvSpPr>
+          <p:cNvPr id="2" name="Title 1">
+            <a:extLst>
+              <a:ext uri="{FF2B5EF4-FFF2-40B4-BE49-F238E27FC236}">
                 <a16:creationId xmlns:a16="http://schemas.microsoft.com/office/drawing/2014/main" id="{F7845CA0-1B15-443D-A49C-8FA9E0B15D21}"/>
               </a:ext>
             </a:extLst>
@@ -5906,7 +6091,7 @@
 </p:sld>
 </file>
 
-<file path=ppt/slides/slide7.xml><?xml version="1.0" encoding="utf-8"?>
+<file path=ppt/slides/slide8.xml><?xml version="1.0" encoding="utf-8"?>
 <p:sld xmlns:a="http://schemas.openxmlformats.org/drawingml/2006/main" xmlns:r="http://schemas.openxmlformats.org/officeDocument/2006/relationships" xmlns:p="http://schemas.openxmlformats.org/presentationml/2006/main">
   <p:cSld>
     <p:spTree>
